--- a/기획서/박승원_게임기획서_Dimension Traveler.pptx
+++ b/기획서/박승원_게임기획서_Dimension Traveler.pptx
@@ -25,22 +25,24 @@
     <p:sldId id="261" r:id="rId19"/>
     <p:sldId id="279" r:id="rId20"/>
     <p:sldId id="287" r:id="rId21"/>
-    <p:sldId id="265" r:id="rId22"/>
+    <p:sldId id="280" r:id="rId22"/>
+    <p:sldId id="278" r:id="rId23"/>
+    <p:sldId id="265" r:id="rId24"/>
   </p:sldIdLst>
   <p:sldSz cx="12192000" cy="6858000"/>
   <p:notesSz cx="6858000" cy="9144000"/>
   <p:embeddedFontLst>
     <p:embeddedFont>
       <p:font typeface="Pretendard" panose="02000503000000020004" pitchFamily="2" charset="-127"/>
-      <p:regular r:id="rId23"/>
+      <p:regular r:id="rId25"/>
     </p:embeddedFont>
     <p:embeddedFont>
       <p:font typeface="Pretendard ExtraBold" panose="02000903000000020004" pitchFamily="2" charset="-127"/>
-      <p:bold r:id="rId24"/>
+      <p:bold r:id="rId26"/>
     </p:embeddedFont>
     <p:embeddedFont>
       <p:font typeface="Pretendard Light" panose="02000403000000020004" pitchFamily="2" charset="-127"/>
-      <p:regular r:id="rId25"/>
+      <p:regular r:id="rId27"/>
     </p:embeddedFont>
   </p:embeddedFontLst>
   <p:defaultTextStyle>
@@ -15810,7 +15812,7 @@
         </p:nvSpPr>
         <p:spPr>
           <a:xfrm>
-            <a:off x="3598126" y="3253478"/>
+            <a:off x="3598126" y="2896637"/>
             <a:ext cx="1059366" cy="707886"/>
           </a:xfrm>
           <a:prstGeom prst="rect">
@@ -15858,7 +15860,7 @@
         </p:nvSpPr>
         <p:spPr>
           <a:xfrm>
-            <a:off x="5066371" y="3345811"/>
+            <a:off x="5066371" y="2988970"/>
             <a:ext cx="3527502" cy="523220"/>
           </a:xfrm>
           <a:prstGeom prst="rect">
@@ -15900,7 +15902,7 @@
         </p:nvSpPr>
         <p:spPr>
           <a:xfrm>
-            <a:off x="3598126" y="4622401"/>
+            <a:off x="3598126" y="3908719"/>
             <a:ext cx="1059366" cy="707886"/>
           </a:xfrm>
           <a:prstGeom prst="rect">
@@ -15948,7 +15950,7 @@
         </p:nvSpPr>
         <p:spPr>
           <a:xfrm>
-            <a:off x="5066371" y="4714734"/>
+            <a:off x="5066371" y="4001052"/>
             <a:ext cx="3527502" cy="523220"/>
           </a:xfrm>
           <a:prstGeom prst="rect">
@@ -15972,6 +15974,96 @@
                 <a:ea typeface="Pretendard" panose="02000503000000020004" pitchFamily="50" charset="-127"/>
               </a:rPr>
               <a:t>비즈니스 모델</a:t>
+            </a:r>
+          </a:p>
+        </p:txBody>
+      </p:sp>
+      <p:sp>
+        <p:nvSpPr>
+          <p:cNvPr id="20" name="TextBox 19">
+            <a:extLst>
+              <a:ext uri="{FF2B5EF4-FFF2-40B4-BE49-F238E27FC236}">
+                <a16:creationId xmlns:a16="http://schemas.microsoft.com/office/drawing/2014/main" id="{51CAE19A-94CD-005E-B8CF-7236DE00C2D5}"/>
+              </a:ext>
+            </a:extLst>
+          </p:cNvPr>
+          <p:cNvSpPr txBox="1"/>
+          <p:nvPr/>
+        </p:nvSpPr>
+        <p:spPr>
+          <a:xfrm>
+            <a:off x="3598126" y="4920801"/>
+            <a:ext cx="1059366" cy="707886"/>
+          </a:xfrm>
+          <a:prstGeom prst="rect">
+            <a:avLst/>
+          </a:prstGeom>
+          <a:noFill/>
+        </p:spPr>
+        <p:txBody>
+          <a:bodyPr wrap="square" rtlCol="0">
+            <a:spAutoFit/>
+          </a:bodyPr>
+          <a:lstStyle/>
+          <a:p>
+            <a:r>
+              <a:rPr lang="en-US" altLang="ko-KR" sz="4000" b="1" dirty="0">
+                <a:solidFill>
+                  <a:schemeClr val="bg1"/>
+                </a:solidFill>
+                <a:latin typeface="Pretendard" panose="02000503000000020004" pitchFamily="50" charset="-127"/>
+                <a:ea typeface="Pretendard" panose="02000503000000020004" pitchFamily="50" charset="-127"/>
+              </a:rPr>
+              <a:t>4</a:t>
+            </a:r>
+            <a:endParaRPr lang="ko-KR" altLang="en-US" sz="4000" b="1" dirty="0">
+              <a:solidFill>
+                <a:schemeClr val="bg1"/>
+              </a:solidFill>
+              <a:latin typeface="Pretendard" panose="02000503000000020004" pitchFamily="50" charset="-127"/>
+              <a:ea typeface="Pretendard" panose="02000503000000020004" pitchFamily="50" charset="-127"/>
+            </a:endParaRPr>
+          </a:p>
+        </p:txBody>
+      </p:sp>
+      <p:sp>
+        <p:nvSpPr>
+          <p:cNvPr id="21" name="TextBox 20">
+            <a:extLst>
+              <a:ext uri="{FF2B5EF4-FFF2-40B4-BE49-F238E27FC236}">
+                <a16:creationId xmlns:a16="http://schemas.microsoft.com/office/drawing/2014/main" id="{288D5D80-326C-E5ED-0E91-990D8748579D}"/>
+              </a:ext>
+            </a:extLst>
+          </p:cNvPr>
+          <p:cNvSpPr txBox="1"/>
+          <p:nvPr/>
+        </p:nvSpPr>
+        <p:spPr>
+          <a:xfrm>
+            <a:off x="5066371" y="5013134"/>
+            <a:ext cx="3527502" cy="523220"/>
+          </a:xfrm>
+          <a:prstGeom prst="rect">
+            <a:avLst/>
+          </a:prstGeom>
+          <a:noFill/>
+        </p:spPr>
+        <p:txBody>
+          <a:bodyPr wrap="square" rtlCol="0">
+            <a:spAutoFit/>
+          </a:bodyPr>
+          <a:lstStyle/>
+          <a:p>
+            <a:pPr algn="ctr"/>
+            <a:r>
+              <a:rPr lang="ko-KR" altLang="en-US" sz="2800" b="1" dirty="0">
+                <a:solidFill>
+                  <a:schemeClr val="bg1"/>
+                </a:solidFill>
+                <a:latin typeface="Pretendard" panose="02000503000000020004" pitchFamily="50" charset="-127"/>
+                <a:ea typeface="Pretendard" panose="02000503000000020004" pitchFamily="50" charset="-127"/>
+              </a:rPr>
+              <a:t>개발 일정</a:t>
             </a:r>
           </a:p>
         </p:txBody>
@@ -16942,6 +17034,3285 @@
     <p:bg>
       <p:bgPr>
         <a:solidFill>
+          <a:schemeClr val="accent4"/>
+        </a:solidFill>
+        <a:effectLst/>
+      </p:bgPr>
+    </p:bg>
+    <p:spTree>
+      <p:nvGrpSpPr>
+        <p:cNvPr id="1" name=""/>
+        <p:cNvGrpSpPr/>
+        <p:nvPr/>
+      </p:nvGrpSpPr>
+      <p:grpSpPr>
+        <a:xfrm>
+          <a:off x="0" y="0"/>
+          <a:ext cx="0" cy="0"/>
+          <a:chOff x="0" y="0"/>
+          <a:chExt cx="0" cy="0"/>
+        </a:xfrm>
+      </p:grpSpPr>
+      <p:sp>
+        <p:nvSpPr>
+          <p:cNvPr id="5" name="TextBox 4">
+            <a:extLst>
+              <a:ext uri="{FF2B5EF4-FFF2-40B4-BE49-F238E27FC236}">
+                <a16:creationId xmlns:a16="http://schemas.microsoft.com/office/drawing/2014/main" id="{05BC9C59-1297-5115-75B5-E32CA3564C1A}"/>
+              </a:ext>
+            </a:extLst>
+          </p:cNvPr>
+          <p:cNvSpPr txBox="1"/>
+          <p:nvPr/>
+        </p:nvSpPr>
+        <p:spPr>
+          <a:xfrm>
+            <a:off x="3547389" y="5349572"/>
+            <a:ext cx="5097222" cy="584775"/>
+          </a:xfrm>
+          <a:prstGeom prst="rect">
+            <a:avLst/>
+          </a:prstGeom>
+          <a:noFill/>
+        </p:spPr>
+        <p:txBody>
+          <a:bodyPr wrap="square" rtlCol="0">
+            <a:spAutoFit/>
+          </a:bodyPr>
+          <a:lstStyle/>
+          <a:p>
+            <a:pPr algn="ctr"/>
+            <a:r>
+              <a:rPr lang="ko-KR" altLang="en-US" sz="3200" b="1" dirty="0">
+                <a:solidFill>
+                  <a:schemeClr val="accent2"/>
+                </a:solidFill>
+                <a:latin typeface="Pretendard" panose="02000503000000020004" pitchFamily="50" charset="-127"/>
+                <a:ea typeface="Pretendard" panose="02000503000000020004" pitchFamily="50" charset="-127"/>
+              </a:rPr>
+              <a:t>개발 일정</a:t>
+            </a:r>
+          </a:p>
+        </p:txBody>
+      </p:sp>
+      <p:cxnSp>
+        <p:nvCxnSpPr>
+          <p:cNvPr id="6" name="직선 연결선 5">
+            <a:extLst>
+              <a:ext uri="{FF2B5EF4-FFF2-40B4-BE49-F238E27FC236}">
+                <a16:creationId xmlns:a16="http://schemas.microsoft.com/office/drawing/2014/main" id="{03DEC621-63A2-331C-20B1-C5E77C92BD5B}"/>
+              </a:ext>
+            </a:extLst>
+          </p:cNvPr>
+          <p:cNvCxnSpPr/>
+          <p:nvPr/>
+        </p:nvCxnSpPr>
+        <p:spPr>
+          <a:xfrm>
+            <a:off x="5430644" y="4871184"/>
+            <a:ext cx="1293541" cy="0"/>
+          </a:xfrm>
+          <a:prstGeom prst="line">
+            <a:avLst/>
+          </a:prstGeom>
+          <a:ln w="76200">
+            <a:solidFill>
+              <a:schemeClr val="accent2"/>
+            </a:solidFill>
+          </a:ln>
+        </p:spPr>
+        <p:style>
+          <a:lnRef idx="1">
+            <a:schemeClr val="accent1"/>
+          </a:lnRef>
+          <a:fillRef idx="0">
+            <a:schemeClr val="accent1"/>
+          </a:fillRef>
+          <a:effectRef idx="0">
+            <a:schemeClr val="accent1"/>
+          </a:effectRef>
+          <a:fontRef idx="minor">
+            <a:schemeClr val="tx1"/>
+          </a:fontRef>
+        </p:style>
+      </p:cxnSp>
+      <p:sp>
+        <p:nvSpPr>
+          <p:cNvPr id="2" name="TextBox 1">
+            <a:extLst>
+              <a:ext uri="{FF2B5EF4-FFF2-40B4-BE49-F238E27FC236}">
+                <a16:creationId xmlns:a16="http://schemas.microsoft.com/office/drawing/2014/main" id="{D7055ACD-9322-772C-AA47-5BDF0B060178}"/>
+              </a:ext>
+            </a:extLst>
+          </p:cNvPr>
+          <p:cNvSpPr txBox="1"/>
+          <p:nvPr/>
+        </p:nvSpPr>
+        <p:spPr>
+          <a:xfrm>
+            <a:off x="5146710" y="923653"/>
+            <a:ext cx="1861408" cy="3154710"/>
+          </a:xfrm>
+          <a:prstGeom prst="rect">
+            <a:avLst/>
+          </a:prstGeom>
+          <a:noFill/>
+        </p:spPr>
+        <p:txBody>
+          <a:bodyPr wrap="none" rtlCol="0">
+            <a:spAutoFit/>
+          </a:bodyPr>
+          <a:lstStyle/>
+          <a:p>
+            <a:pPr algn="ctr"/>
+            <a:r>
+              <a:rPr lang="en-US" altLang="ko-KR" sz="19900" b="1" dirty="0">
+                <a:solidFill>
+                  <a:schemeClr val="accent2"/>
+                </a:solidFill>
+                <a:latin typeface="Pretendard" panose="02000503000000020004" pitchFamily="50" charset="-127"/>
+                <a:ea typeface="Pretendard" panose="02000503000000020004" pitchFamily="50" charset="-127"/>
+              </a:rPr>
+              <a:t>4</a:t>
+            </a:r>
+            <a:endParaRPr lang="ko-KR" altLang="en-US" sz="19900" b="1" dirty="0">
+              <a:solidFill>
+                <a:schemeClr val="accent2"/>
+              </a:solidFill>
+              <a:latin typeface="Pretendard" panose="02000503000000020004" pitchFamily="50" charset="-127"/>
+              <a:ea typeface="Pretendard" panose="02000503000000020004" pitchFamily="50" charset="-127"/>
+            </a:endParaRPr>
+          </a:p>
+        </p:txBody>
+      </p:sp>
+    </p:spTree>
+    <p:extLst>
+      <p:ext uri="{BB962C8B-B14F-4D97-AF65-F5344CB8AC3E}">
+        <p14:creationId xmlns:p14="http://schemas.microsoft.com/office/powerpoint/2010/main" val="1980445481"/>
+      </p:ext>
+    </p:extLst>
+  </p:cSld>
+  <p:clrMapOvr>
+    <a:masterClrMapping/>
+  </p:clrMapOvr>
+</p:sld>
+</file>
+
+<file path=ppt/slides/slide22.xml><?xml version="1.0" encoding="utf-8"?>
+<p:sld xmlns:a="http://schemas.openxmlformats.org/drawingml/2006/main" xmlns:r="http://schemas.openxmlformats.org/officeDocument/2006/relationships" xmlns:p="http://schemas.openxmlformats.org/presentationml/2006/main">
+  <p:cSld>
+    <p:bg>
+      <p:bgPr>
+        <a:solidFill>
+          <a:schemeClr val="bg1"/>
+        </a:solidFill>
+        <a:effectLst/>
+      </p:bgPr>
+    </p:bg>
+    <p:spTree>
+      <p:nvGrpSpPr>
+        <p:cNvPr id="1" name=""/>
+        <p:cNvGrpSpPr/>
+        <p:nvPr/>
+      </p:nvGrpSpPr>
+      <p:grpSpPr>
+        <a:xfrm>
+          <a:off x="0" y="0"/>
+          <a:ext cx="0" cy="0"/>
+          <a:chOff x="0" y="0"/>
+          <a:chExt cx="0" cy="0"/>
+        </a:xfrm>
+      </p:grpSpPr>
+      <p:cxnSp>
+        <p:nvCxnSpPr>
+          <p:cNvPr id="17" name="직선 연결선 16">
+            <a:extLst>
+              <a:ext uri="{FF2B5EF4-FFF2-40B4-BE49-F238E27FC236}">
+                <a16:creationId xmlns:a16="http://schemas.microsoft.com/office/drawing/2014/main" id="{F6133DDF-4889-792A-267A-826414C927AC}"/>
+              </a:ext>
+            </a:extLst>
+          </p:cNvPr>
+          <p:cNvCxnSpPr/>
+          <p:nvPr/>
+        </p:nvCxnSpPr>
+        <p:spPr>
+          <a:xfrm>
+            <a:off x="267629" y="323385"/>
+            <a:ext cx="11924371" cy="0"/>
+          </a:xfrm>
+          <a:prstGeom prst="line">
+            <a:avLst/>
+          </a:prstGeom>
+          <a:ln>
+            <a:solidFill>
+              <a:schemeClr val="tx1">
+                <a:lumMod val="75000"/>
+                <a:lumOff val="25000"/>
+              </a:schemeClr>
+            </a:solidFill>
+          </a:ln>
+        </p:spPr>
+        <p:style>
+          <a:lnRef idx="1">
+            <a:schemeClr val="accent1"/>
+          </a:lnRef>
+          <a:fillRef idx="0">
+            <a:schemeClr val="accent1"/>
+          </a:fillRef>
+          <a:effectRef idx="0">
+            <a:schemeClr val="accent1"/>
+          </a:effectRef>
+          <a:fontRef idx="minor">
+            <a:schemeClr val="tx1"/>
+          </a:fontRef>
+        </p:style>
+      </p:cxnSp>
+      <p:sp>
+        <p:nvSpPr>
+          <p:cNvPr id="18" name="TextBox 17">
+            <a:extLst>
+              <a:ext uri="{FF2B5EF4-FFF2-40B4-BE49-F238E27FC236}">
+                <a16:creationId xmlns:a16="http://schemas.microsoft.com/office/drawing/2014/main" id="{710AEFE6-BAE3-9F4E-EBF3-0EAF402A7C78}"/>
+              </a:ext>
+            </a:extLst>
+          </p:cNvPr>
+          <p:cNvSpPr txBox="1"/>
+          <p:nvPr/>
+        </p:nvSpPr>
+        <p:spPr>
+          <a:xfrm>
+            <a:off x="1059087" y="390291"/>
+            <a:ext cx="720069" cy="584775"/>
+          </a:xfrm>
+          <a:prstGeom prst="rect">
+            <a:avLst/>
+          </a:prstGeom>
+          <a:noFill/>
+        </p:spPr>
+        <p:txBody>
+          <a:bodyPr wrap="none" rtlCol="0">
+            <a:spAutoFit/>
+          </a:bodyPr>
+          <a:lstStyle/>
+          <a:p>
+            <a:r>
+              <a:rPr lang="en-US" altLang="ko-KR" sz="3200" b="1" dirty="0">
+                <a:solidFill>
+                  <a:schemeClr val="tx1">
+                    <a:lumMod val="75000"/>
+                    <a:lumOff val="25000"/>
+                  </a:schemeClr>
+                </a:solidFill>
+                <a:latin typeface="Pretendard" panose="02000503000000020004" pitchFamily="50" charset="-127"/>
+                <a:ea typeface="Pretendard" panose="02000503000000020004" pitchFamily="50" charset="-127"/>
+              </a:rPr>
+              <a:t>&gt;&gt;</a:t>
+            </a:r>
+            <a:endParaRPr lang="ko-KR" altLang="en-US" sz="3200" b="1" dirty="0">
+              <a:solidFill>
+                <a:schemeClr val="tx1">
+                  <a:lumMod val="75000"/>
+                  <a:lumOff val="25000"/>
+                </a:schemeClr>
+              </a:solidFill>
+              <a:latin typeface="Pretendard" panose="02000503000000020004" pitchFamily="50" charset="-127"/>
+              <a:ea typeface="Pretendard" panose="02000503000000020004" pitchFamily="50" charset="-127"/>
+            </a:endParaRPr>
+          </a:p>
+        </p:txBody>
+      </p:sp>
+      <p:sp>
+        <p:nvSpPr>
+          <p:cNvPr id="19" name="TextBox 18">
+            <a:extLst>
+              <a:ext uri="{FF2B5EF4-FFF2-40B4-BE49-F238E27FC236}">
+                <a16:creationId xmlns:a16="http://schemas.microsoft.com/office/drawing/2014/main" id="{5E4BC162-255E-9FA6-AEB9-706E2D6447B4}"/>
+              </a:ext>
+            </a:extLst>
+          </p:cNvPr>
+          <p:cNvSpPr txBox="1"/>
+          <p:nvPr/>
+        </p:nvSpPr>
+        <p:spPr>
+          <a:xfrm>
+            <a:off x="1779156" y="423744"/>
+            <a:ext cx="1710725" cy="584775"/>
+          </a:xfrm>
+          <a:prstGeom prst="rect">
+            <a:avLst/>
+          </a:prstGeom>
+          <a:noFill/>
+        </p:spPr>
+        <p:txBody>
+          <a:bodyPr wrap="none" rtlCol="0">
+            <a:spAutoFit/>
+          </a:bodyPr>
+          <a:lstStyle/>
+          <a:p>
+            <a:r>
+              <a:rPr lang="ko-KR" altLang="en-US" sz="3200" b="1" dirty="0">
+                <a:latin typeface="Pretendard" panose="02000503000000020004" pitchFamily="50" charset="-127"/>
+                <a:ea typeface="Pretendard" panose="02000503000000020004" pitchFamily="50" charset="-127"/>
+              </a:rPr>
+              <a:t>개발 일정</a:t>
+            </a:r>
+          </a:p>
+        </p:txBody>
+      </p:sp>
+      <p:sp>
+        <p:nvSpPr>
+          <p:cNvPr id="20" name="TextBox 19">
+            <a:extLst>
+              <a:ext uri="{FF2B5EF4-FFF2-40B4-BE49-F238E27FC236}">
+                <a16:creationId xmlns:a16="http://schemas.microsoft.com/office/drawing/2014/main" id="{0248AE10-53E7-C36F-1031-640C8584ED67}"/>
+              </a:ext>
+            </a:extLst>
+          </p:cNvPr>
+          <p:cNvSpPr txBox="1"/>
+          <p:nvPr/>
+        </p:nvSpPr>
+        <p:spPr>
+          <a:xfrm>
+            <a:off x="267629" y="531465"/>
+            <a:ext cx="814647" cy="369332"/>
+          </a:xfrm>
+          <a:prstGeom prst="rect">
+            <a:avLst/>
+          </a:prstGeom>
+          <a:noFill/>
+        </p:spPr>
+        <p:txBody>
+          <a:bodyPr wrap="none" rtlCol="0">
+            <a:spAutoFit/>
+          </a:bodyPr>
+          <a:lstStyle/>
+          <a:p>
+            <a:r>
+              <a:rPr lang="en-US" altLang="ko-KR" dirty="0">
+                <a:solidFill>
+                  <a:schemeClr val="tx1">
+                    <a:lumMod val="75000"/>
+                    <a:lumOff val="25000"/>
+                  </a:schemeClr>
+                </a:solidFill>
+                <a:latin typeface="Pretendard" panose="02000503000000020004" pitchFamily="50" charset="-127"/>
+                <a:ea typeface="Pretendard" panose="02000503000000020004" pitchFamily="50" charset="-127"/>
+              </a:rPr>
+              <a:t>Part 4</a:t>
+            </a:r>
+            <a:endParaRPr lang="ko-KR" altLang="en-US" dirty="0">
+              <a:solidFill>
+                <a:schemeClr val="tx1">
+                  <a:lumMod val="75000"/>
+                  <a:lumOff val="25000"/>
+                </a:schemeClr>
+              </a:solidFill>
+              <a:latin typeface="Pretendard" panose="02000503000000020004" pitchFamily="50" charset="-127"/>
+              <a:ea typeface="Pretendard" panose="02000503000000020004" pitchFamily="50" charset="-127"/>
+            </a:endParaRPr>
+          </a:p>
+        </p:txBody>
+      </p:sp>
+      <p:graphicFrame>
+        <p:nvGraphicFramePr>
+          <p:cNvPr id="3" name="표 2">
+            <a:extLst>
+              <a:ext uri="{FF2B5EF4-FFF2-40B4-BE49-F238E27FC236}">
+                <a16:creationId xmlns:a16="http://schemas.microsoft.com/office/drawing/2014/main" id="{328B87E1-2F99-4C66-9F1A-D23DE0AE5234}"/>
+              </a:ext>
+            </a:extLst>
+          </p:cNvPr>
+          <p:cNvGraphicFramePr>
+            <a:graphicFrameLocks noGrp="1"/>
+          </p:cNvGraphicFramePr>
+          <p:nvPr>
+            <p:extLst>
+              <p:ext uri="{D42A27DB-BD31-4B8C-83A1-F6EECF244321}">
+                <p14:modId xmlns:p14="http://schemas.microsoft.com/office/powerpoint/2010/main" val="4101660384"/>
+              </p:ext>
+            </p:extLst>
+          </p:nvPr>
+        </p:nvGraphicFramePr>
+        <p:xfrm>
+          <a:off x="1159745" y="1312363"/>
+          <a:ext cx="9872509" cy="4967140"/>
+        </p:xfrm>
+        <a:graphic>
+          <a:graphicData uri="http://schemas.openxmlformats.org/drawingml/2006/table">
+            <a:tbl>
+              <a:tblPr firstRow="1" bandRow="1">
+                <a:tableStyleId>{21E4AEA4-8DFA-4A89-87EB-49C32662AFE0}</a:tableStyleId>
+              </a:tblPr>
+              <a:tblGrid>
+                <a:gridCol w="1248305">
+                  <a:extLst>
+                    <a:ext uri="{9D8B030D-6E8A-4147-A177-3AD203B41FA5}">
+                      <a16:colId xmlns:a16="http://schemas.microsoft.com/office/drawing/2014/main" val="2502918623"/>
+                    </a:ext>
+                  </a:extLst>
+                </a:gridCol>
+                <a:gridCol w="2156051">
+                  <a:extLst>
+                    <a:ext uri="{9D8B030D-6E8A-4147-A177-3AD203B41FA5}">
+                      <a16:colId xmlns:a16="http://schemas.microsoft.com/office/drawing/2014/main" val="3502051590"/>
+                    </a:ext>
+                  </a:extLst>
+                </a:gridCol>
+                <a:gridCol w="2156051">
+                  <a:extLst>
+                    <a:ext uri="{9D8B030D-6E8A-4147-A177-3AD203B41FA5}">
+                      <a16:colId xmlns:a16="http://schemas.microsoft.com/office/drawing/2014/main" val="1962564443"/>
+                    </a:ext>
+                  </a:extLst>
+                </a:gridCol>
+                <a:gridCol w="2156051">
+                  <a:extLst>
+                    <a:ext uri="{9D8B030D-6E8A-4147-A177-3AD203B41FA5}">
+                      <a16:colId xmlns:a16="http://schemas.microsoft.com/office/drawing/2014/main" val="3497825546"/>
+                    </a:ext>
+                  </a:extLst>
+                </a:gridCol>
+                <a:gridCol w="2156051">
+                  <a:extLst>
+                    <a:ext uri="{9D8B030D-6E8A-4147-A177-3AD203B41FA5}">
+                      <a16:colId xmlns:a16="http://schemas.microsoft.com/office/drawing/2014/main" val="1298539223"/>
+                    </a:ext>
+                  </a:extLst>
+                </a:gridCol>
+              </a:tblGrid>
+              <a:tr h="363058">
+                <a:tc>
+                  <a:txBody>
+                    <a:bodyPr/>
+                    <a:lstStyle/>
+                    <a:p>
+                      <a:pPr algn="ctr" latinLnBrk="1"/>
+                      <a:endParaRPr lang="ko-KR" altLang="en-US" dirty="0"/>
+                    </a:p>
+                  </a:txBody>
+                  <a:tcPr anchor="ctr">
+                    <a:lnL w="28575" cap="flat" cmpd="sng" algn="ctr">
+                      <a:noFill/>
+                      <a:prstDash val="solid"/>
+                      <a:round/>
+                      <a:headEnd type="none" w="med" len="med"/>
+                      <a:tailEnd type="none" w="med" len="med"/>
+                    </a:lnL>
+                    <a:lnR w="12700" cap="flat" cmpd="sng" algn="ctr">
+                      <a:solidFill>
+                        <a:schemeClr val="tx1"/>
+                      </a:solidFill>
+                      <a:prstDash val="solid"/>
+                      <a:round/>
+                      <a:headEnd type="none" w="med" len="med"/>
+                      <a:tailEnd type="none" w="med" len="med"/>
+                    </a:lnR>
+                    <a:lnT w="28575" cap="flat" cmpd="sng" algn="ctr">
+                      <a:solidFill>
+                        <a:schemeClr val="tx1"/>
+                      </a:solidFill>
+                      <a:prstDash val="solid"/>
+                      <a:round/>
+                      <a:headEnd type="none" w="med" len="med"/>
+                      <a:tailEnd type="none" w="med" len="med"/>
+                    </a:lnT>
+                    <a:lnB w="12700" cap="flat" cmpd="sng" algn="ctr">
+                      <a:solidFill>
+                        <a:schemeClr val="tx1"/>
+                      </a:solidFill>
+                      <a:prstDash val="solid"/>
+                      <a:round/>
+                      <a:headEnd type="none" w="med" len="med"/>
+                      <a:tailEnd type="none" w="med" len="med"/>
+                    </a:lnB>
+                  </a:tcPr>
+                </a:tc>
+                <a:tc>
+                  <a:txBody>
+                    <a:bodyPr/>
+                    <a:lstStyle/>
+                    <a:p>
+                      <a:pPr algn="ctr" latinLnBrk="1"/>
+                      <a:r>
+                        <a:rPr lang="en-US" altLang="ko-KR" dirty="0"/>
+                        <a:t>1</a:t>
+                      </a:r>
+                      <a:r>
+                        <a:rPr lang="ko-KR" altLang="en-US" dirty="0"/>
+                        <a:t>주차</a:t>
+                      </a:r>
+                    </a:p>
+                  </a:txBody>
+                  <a:tcPr anchor="ctr">
+                    <a:lnL w="12700" cap="flat" cmpd="sng" algn="ctr">
+                      <a:solidFill>
+                        <a:schemeClr val="tx1"/>
+                      </a:solidFill>
+                      <a:prstDash val="solid"/>
+                      <a:round/>
+                      <a:headEnd type="none" w="med" len="med"/>
+                      <a:tailEnd type="none" w="med" len="med"/>
+                    </a:lnL>
+                    <a:lnR w="12700" cap="flat" cmpd="sng" algn="ctr">
+                      <a:solidFill>
+                        <a:schemeClr val="tx1"/>
+                      </a:solidFill>
+                      <a:prstDash val="solid"/>
+                      <a:round/>
+                      <a:headEnd type="none" w="med" len="med"/>
+                      <a:tailEnd type="none" w="med" len="med"/>
+                    </a:lnR>
+                    <a:lnT w="28575" cap="flat" cmpd="sng" algn="ctr">
+                      <a:solidFill>
+                        <a:schemeClr val="tx1"/>
+                      </a:solidFill>
+                      <a:prstDash val="solid"/>
+                      <a:round/>
+                      <a:headEnd type="none" w="med" len="med"/>
+                      <a:tailEnd type="none" w="med" len="med"/>
+                    </a:lnT>
+                    <a:lnB w="12700" cap="flat" cmpd="sng" algn="ctr">
+                      <a:solidFill>
+                        <a:schemeClr val="tx1"/>
+                      </a:solidFill>
+                      <a:prstDash val="solid"/>
+                      <a:round/>
+                      <a:headEnd type="none" w="med" len="med"/>
+                      <a:tailEnd type="none" w="med" len="med"/>
+                    </a:lnB>
+                  </a:tcPr>
+                </a:tc>
+                <a:tc>
+                  <a:txBody>
+                    <a:bodyPr/>
+                    <a:lstStyle/>
+                    <a:p>
+                      <a:pPr algn="ctr" latinLnBrk="1"/>
+                      <a:r>
+                        <a:rPr lang="en-US" altLang="ko-KR" dirty="0"/>
+                        <a:t>2</a:t>
+                      </a:r>
+                      <a:r>
+                        <a:rPr lang="ko-KR" altLang="en-US" dirty="0"/>
+                        <a:t>주차</a:t>
+                      </a:r>
+                    </a:p>
+                  </a:txBody>
+                  <a:tcPr anchor="ctr">
+                    <a:lnL w="12700" cap="flat" cmpd="sng" algn="ctr">
+                      <a:solidFill>
+                        <a:schemeClr val="tx1"/>
+                      </a:solidFill>
+                      <a:prstDash val="solid"/>
+                      <a:round/>
+                      <a:headEnd type="none" w="med" len="med"/>
+                      <a:tailEnd type="none" w="med" len="med"/>
+                    </a:lnL>
+                    <a:lnR w="12700" cap="flat" cmpd="sng" algn="ctr">
+                      <a:solidFill>
+                        <a:schemeClr val="tx1"/>
+                      </a:solidFill>
+                      <a:prstDash val="solid"/>
+                      <a:round/>
+                      <a:headEnd type="none" w="med" len="med"/>
+                      <a:tailEnd type="none" w="med" len="med"/>
+                    </a:lnR>
+                    <a:lnT w="28575" cap="flat" cmpd="sng" algn="ctr">
+                      <a:solidFill>
+                        <a:schemeClr val="tx1"/>
+                      </a:solidFill>
+                      <a:prstDash val="solid"/>
+                      <a:round/>
+                      <a:headEnd type="none" w="med" len="med"/>
+                      <a:tailEnd type="none" w="med" len="med"/>
+                    </a:lnT>
+                    <a:lnB w="12700" cap="flat" cmpd="sng" algn="ctr">
+                      <a:solidFill>
+                        <a:schemeClr val="tx1"/>
+                      </a:solidFill>
+                      <a:prstDash val="solid"/>
+                      <a:round/>
+                      <a:headEnd type="none" w="med" len="med"/>
+                      <a:tailEnd type="none" w="med" len="med"/>
+                    </a:lnB>
+                  </a:tcPr>
+                </a:tc>
+                <a:tc>
+                  <a:txBody>
+                    <a:bodyPr/>
+                    <a:lstStyle/>
+                    <a:p>
+                      <a:pPr algn="ctr" latinLnBrk="1"/>
+                      <a:r>
+                        <a:rPr lang="en-US" altLang="ko-KR" dirty="0"/>
+                        <a:t>3</a:t>
+                      </a:r>
+                      <a:r>
+                        <a:rPr lang="ko-KR" altLang="en-US" dirty="0"/>
+                        <a:t>주차</a:t>
+                      </a:r>
+                    </a:p>
+                  </a:txBody>
+                  <a:tcPr anchor="ctr">
+                    <a:lnL w="12700" cap="flat" cmpd="sng" algn="ctr">
+                      <a:solidFill>
+                        <a:schemeClr val="tx1"/>
+                      </a:solidFill>
+                      <a:prstDash val="solid"/>
+                      <a:round/>
+                      <a:headEnd type="none" w="med" len="med"/>
+                      <a:tailEnd type="none" w="med" len="med"/>
+                    </a:lnL>
+                    <a:lnR w="12700" cap="flat" cmpd="sng" algn="ctr">
+                      <a:solidFill>
+                        <a:schemeClr val="tx1"/>
+                      </a:solidFill>
+                      <a:prstDash val="solid"/>
+                      <a:round/>
+                      <a:headEnd type="none" w="med" len="med"/>
+                      <a:tailEnd type="none" w="med" len="med"/>
+                    </a:lnR>
+                    <a:lnT w="28575" cap="flat" cmpd="sng" algn="ctr">
+                      <a:solidFill>
+                        <a:schemeClr val="tx1"/>
+                      </a:solidFill>
+                      <a:prstDash val="solid"/>
+                      <a:round/>
+                      <a:headEnd type="none" w="med" len="med"/>
+                      <a:tailEnd type="none" w="med" len="med"/>
+                    </a:lnT>
+                    <a:lnB w="12700" cap="flat" cmpd="sng" algn="ctr">
+                      <a:solidFill>
+                        <a:schemeClr val="tx1"/>
+                      </a:solidFill>
+                      <a:prstDash val="solid"/>
+                      <a:round/>
+                      <a:headEnd type="none" w="med" len="med"/>
+                      <a:tailEnd type="none" w="med" len="med"/>
+                    </a:lnB>
+                  </a:tcPr>
+                </a:tc>
+                <a:tc>
+                  <a:txBody>
+                    <a:bodyPr/>
+                    <a:lstStyle/>
+                    <a:p>
+                      <a:pPr algn="ctr" latinLnBrk="1"/>
+                      <a:r>
+                        <a:rPr lang="en-US" altLang="ko-KR" dirty="0"/>
+                        <a:t>4</a:t>
+                      </a:r>
+                      <a:r>
+                        <a:rPr lang="ko-KR" altLang="en-US" dirty="0"/>
+                        <a:t>주차</a:t>
+                      </a:r>
+                    </a:p>
+                  </a:txBody>
+                  <a:tcPr anchor="ctr">
+                    <a:lnL w="12700" cap="flat" cmpd="sng" algn="ctr">
+                      <a:solidFill>
+                        <a:schemeClr val="tx1"/>
+                      </a:solidFill>
+                      <a:prstDash val="solid"/>
+                      <a:round/>
+                      <a:headEnd type="none" w="med" len="med"/>
+                      <a:tailEnd type="none" w="med" len="med"/>
+                    </a:lnL>
+                    <a:lnR w="28575" cap="flat" cmpd="sng" algn="ctr">
+                      <a:noFill/>
+                      <a:prstDash val="solid"/>
+                      <a:round/>
+                      <a:headEnd type="none" w="med" len="med"/>
+                      <a:tailEnd type="none" w="med" len="med"/>
+                    </a:lnR>
+                    <a:lnT w="28575" cap="flat" cmpd="sng" algn="ctr">
+                      <a:solidFill>
+                        <a:schemeClr val="tx1"/>
+                      </a:solidFill>
+                      <a:prstDash val="solid"/>
+                      <a:round/>
+                      <a:headEnd type="none" w="med" len="med"/>
+                      <a:tailEnd type="none" w="med" len="med"/>
+                    </a:lnT>
+                    <a:lnB w="12700" cap="flat" cmpd="sng" algn="ctr">
+                      <a:solidFill>
+                        <a:schemeClr val="tx1"/>
+                      </a:solidFill>
+                      <a:prstDash val="solid"/>
+                      <a:round/>
+                      <a:headEnd type="none" w="med" len="med"/>
+                      <a:tailEnd type="none" w="med" len="med"/>
+                    </a:lnB>
+                  </a:tcPr>
+                </a:tc>
+                <a:extLst>
+                  <a:ext uri="{0D108BD9-81ED-4DB2-BD59-A6C34878D82A}">
+                    <a16:rowId xmlns:a16="http://schemas.microsoft.com/office/drawing/2014/main" val="2995972903"/>
+                  </a:ext>
+                </a:extLst>
+              </a:tr>
+              <a:tr h="460138">
+                <a:tc>
+                  <a:txBody>
+                    <a:bodyPr/>
+                    <a:lstStyle/>
+                    <a:p>
+                      <a:pPr algn="ctr" latinLnBrk="1"/>
+                      <a:r>
+                        <a:rPr lang="ko-KR" altLang="en-US" dirty="0"/>
+                        <a:t>플레이어</a:t>
+                      </a:r>
+                    </a:p>
+                  </a:txBody>
+                  <a:tcPr anchor="ctr">
+                    <a:lnL w="28575" cap="flat" cmpd="sng" algn="ctr">
+                      <a:noFill/>
+                      <a:prstDash val="solid"/>
+                      <a:round/>
+                      <a:headEnd type="none" w="med" len="med"/>
+                      <a:tailEnd type="none" w="med" len="med"/>
+                    </a:lnL>
+                    <a:lnR w="12700" cap="flat" cmpd="sng" algn="ctr">
+                      <a:solidFill>
+                        <a:schemeClr val="tx1"/>
+                      </a:solidFill>
+                      <a:prstDash val="solid"/>
+                      <a:round/>
+                      <a:headEnd type="none" w="med" len="med"/>
+                      <a:tailEnd type="none" w="med" len="med"/>
+                    </a:lnR>
+                    <a:lnT w="12700" cap="flat" cmpd="sng" algn="ctr">
+                      <a:solidFill>
+                        <a:schemeClr val="tx1"/>
+                      </a:solidFill>
+                      <a:prstDash val="solid"/>
+                      <a:round/>
+                      <a:headEnd type="none" w="med" len="med"/>
+                      <a:tailEnd type="none" w="med" len="med"/>
+                    </a:lnT>
+                    <a:lnB w="12700" cap="flat" cmpd="sng" algn="ctr">
+                      <a:solidFill>
+                        <a:schemeClr val="tx1"/>
+                      </a:solidFill>
+                      <a:prstDash val="solid"/>
+                      <a:round/>
+                      <a:headEnd type="none" w="med" len="med"/>
+                      <a:tailEnd type="none" w="med" len="med"/>
+                    </a:lnB>
+                    <a:noFill/>
+                  </a:tcPr>
+                </a:tc>
+                <a:tc>
+                  <a:txBody>
+                    <a:bodyPr/>
+                    <a:lstStyle/>
+                    <a:p>
+                      <a:pPr algn="ctr" latinLnBrk="1"/>
+                      <a:endParaRPr lang="ko-KR" altLang="en-US" dirty="0"/>
+                    </a:p>
+                  </a:txBody>
+                  <a:tcPr anchor="ctr">
+                    <a:lnL w="12700" cap="flat" cmpd="sng" algn="ctr">
+                      <a:solidFill>
+                        <a:schemeClr val="tx1"/>
+                      </a:solidFill>
+                      <a:prstDash val="solid"/>
+                      <a:round/>
+                      <a:headEnd type="none" w="med" len="med"/>
+                      <a:tailEnd type="none" w="med" len="med"/>
+                    </a:lnL>
+                    <a:lnR w="12700" cap="flat" cmpd="sng" algn="ctr">
+                      <a:solidFill>
+                        <a:schemeClr val="tx1"/>
+                      </a:solidFill>
+                      <a:prstDash val="solid"/>
+                      <a:round/>
+                      <a:headEnd type="none" w="med" len="med"/>
+                      <a:tailEnd type="none" w="med" len="med"/>
+                    </a:lnR>
+                    <a:lnT w="12700" cap="flat" cmpd="sng" algn="ctr">
+                      <a:solidFill>
+                        <a:schemeClr val="tx1"/>
+                      </a:solidFill>
+                      <a:prstDash val="solid"/>
+                      <a:round/>
+                      <a:headEnd type="none" w="med" len="med"/>
+                      <a:tailEnd type="none" w="med" len="med"/>
+                    </a:lnT>
+                    <a:lnB w="12700" cap="flat" cmpd="sng" algn="ctr">
+                      <a:solidFill>
+                        <a:schemeClr val="tx1"/>
+                      </a:solidFill>
+                      <a:prstDash val="solid"/>
+                      <a:round/>
+                      <a:headEnd type="none" w="med" len="med"/>
+                      <a:tailEnd type="none" w="med" len="med"/>
+                    </a:lnB>
+                    <a:solidFill>
+                      <a:srgbClr val="00B0F0"/>
+                    </a:solidFill>
+                  </a:tcPr>
+                </a:tc>
+                <a:tc>
+                  <a:txBody>
+                    <a:bodyPr/>
+                    <a:lstStyle/>
+                    <a:p>
+                      <a:pPr algn="ctr" latinLnBrk="1"/>
+                      <a:endParaRPr lang="ko-KR" altLang="en-US" dirty="0"/>
+                    </a:p>
+                  </a:txBody>
+                  <a:tcPr anchor="ctr">
+                    <a:lnL w="12700" cap="flat" cmpd="sng" algn="ctr">
+                      <a:solidFill>
+                        <a:schemeClr val="tx1"/>
+                      </a:solidFill>
+                      <a:prstDash val="solid"/>
+                      <a:round/>
+                      <a:headEnd type="none" w="med" len="med"/>
+                      <a:tailEnd type="none" w="med" len="med"/>
+                    </a:lnL>
+                    <a:lnR w="12700" cap="flat" cmpd="sng" algn="ctr">
+                      <a:solidFill>
+                        <a:schemeClr val="tx1"/>
+                      </a:solidFill>
+                      <a:prstDash val="solid"/>
+                      <a:round/>
+                      <a:headEnd type="none" w="med" len="med"/>
+                      <a:tailEnd type="none" w="med" len="med"/>
+                    </a:lnR>
+                    <a:lnT w="12700" cap="flat" cmpd="sng" algn="ctr">
+                      <a:solidFill>
+                        <a:schemeClr val="tx1"/>
+                      </a:solidFill>
+                      <a:prstDash val="solid"/>
+                      <a:round/>
+                      <a:headEnd type="none" w="med" len="med"/>
+                      <a:tailEnd type="none" w="med" len="med"/>
+                    </a:lnT>
+                    <a:lnB w="12700" cap="flat" cmpd="sng" algn="ctr">
+                      <a:solidFill>
+                        <a:schemeClr val="tx1"/>
+                      </a:solidFill>
+                      <a:prstDash val="solid"/>
+                      <a:round/>
+                      <a:headEnd type="none" w="med" len="med"/>
+                      <a:tailEnd type="none" w="med" len="med"/>
+                    </a:lnB>
+                    <a:solidFill>
+                      <a:srgbClr val="00B0F0"/>
+                    </a:solidFill>
+                  </a:tcPr>
+                </a:tc>
+                <a:tc>
+                  <a:txBody>
+                    <a:bodyPr/>
+                    <a:lstStyle/>
+                    <a:p>
+                      <a:pPr algn="ctr" latinLnBrk="1"/>
+                      <a:endParaRPr lang="ko-KR" altLang="en-US" dirty="0"/>
+                    </a:p>
+                  </a:txBody>
+                  <a:tcPr anchor="ctr">
+                    <a:lnL w="12700" cap="flat" cmpd="sng" algn="ctr">
+                      <a:solidFill>
+                        <a:schemeClr val="tx1"/>
+                      </a:solidFill>
+                      <a:prstDash val="solid"/>
+                      <a:round/>
+                      <a:headEnd type="none" w="med" len="med"/>
+                      <a:tailEnd type="none" w="med" len="med"/>
+                    </a:lnL>
+                    <a:lnR w="12700" cap="flat" cmpd="sng" algn="ctr">
+                      <a:solidFill>
+                        <a:schemeClr val="tx1"/>
+                      </a:solidFill>
+                      <a:prstDash val="solid"/>
+                      <a:round/>
+                      <a:headEnd type="none" w="med" len="med"/>
+                      <a:tailEnd type="none" w="med" len="med"/>
+                    </a:lnR>
+                    <a:lnT w="12700" cap="flat" cmpd="sng" algn="ctr">
+                      <a:solidFill>
+                        <a:schemeClr val="tx1"/>
+                      </a:solidFill>
+                      <a:prstDash val="solid"/>
+                      <a:round/>
+                      <a:headEnd type="none" w="med" len="med"/>
+                      <a:tailEnd type="none" w="med" len="med"/>
+                    </a:lnT>
+                    <a:lnB w="12700" cap="flat" cmpd="sng" algn="ctr">
+                      <a:solidFill>
+                        <a:schemeClr val="tx1"/>
+                      </a:solidFill>
+                      <a:prstDash val="solid"/>
+                      <a:round/>
+                      <a:headEnd type="none" w="med" len="med"/>
+                      <a:tailEnd type="none" w="med" len="med"/>
+                    </a:lnB>
+                    <a:noFill/>
+                  </a:tcPr>
+                </a:tc>
+                <a:tc>
+                  <a:txBody>
+                    <a:bodyPr/>
+                    <a:lstStyle/>
+                    <a:p>
+                      <a:pPr algn="ctr" latinLnBrk="1"/>
+                      <a:endParaRPr lang="ko-KR" altLang="en-US" dirty="0"/>
+                    </a:p>
+                  </a:txBody>
+                  <a:tcPr anchor="ctr">
+                    <a:lnL w="12700" cap="flat" cmpd="sng" algn="ctr">
+                      <a:solidFill>
+                        <a:schemeClr val="tx1"/>
+                      </a:solidFill>
+                      <a:prstDash val="solid"/>
+                      <a:round/>
+                      <a:headEnd type="none" w="med" len="med"/>
+                      <a:tailEnd type="none" w="med" len="med"/>
+                    </a:lnL>
+                    <a:lnR w="28575" cap="flat" cmpd="sng" algn="ctr">
+                      <a:noFill/>
+                      <a:prstDash val="solid"/>
+                      <a:round/>
+                      <a:headEnd type="none" w="med" len="med"/>
+                      <a:tailEnd type="none" w="med" len="med"/>
+                    </a:lnR>
+                    <a:lnT w="12700" cap="flat" cmpd="sng" algn="ctr">
+                      <a:solidFill>
+                        <a:schemeClr val="tx1"/>
+                      </a:solidFill>
+                      <a:prstDash val="solid"/>
+                      <a:round/>
+                      <a:headEnd type="none" w="med" len="med"/>
+                      <a:tailEnd type="none" w="med" len="med"/>
+                    </a:lnT>
+                    <a:lnB w="12700" cap="flat" cmpd="sng" algn="ctr">
+                      <a:solidFill>
+                        <a:schemeClr val="tx1"/>
+                      </a:solidFill>
+                      <a:prstDash val="solid"/>
+                      <a:round/>
+                      <a:headEnd type="none" w="med" len="med"/>
+                      <a:tailEnd type="none" w="med" len="med"/>
+                    </a:lnB>
+                    <a:noFill/>
+                  </a:tcPr>
+                </a:tc>
+                <a:extLst>
+                  <a:ext uri="{0D108BD9-81ED-4DB2-BD59-A6C34878D82A}">
+                    <a16:rowId xmlns:a16="http://schemas.microsoft.com/office/drawing/2014/main" val="868937375"/>
+                  </a:ext>
+                </a:extLst>
+              </a:tr>
+              <a:tr h="460138">
+                <a:tc>
+                  <a:txBody>
+                    <a:bodyPr/>
+                    <a:lstStyle/>
+                    <a:p>
+                      <a:pPr algn="ctr" latinLnBrk="1"/>
+                      <a:r>
+                        <a:rPr lang="ko-KR" altLang="en-US" dirty="0"/>
+                        <a:t>맵</a:t>
+                      </a:r>
+                    </a:p>
+                  </a:txBody>
+                  <a:tcPr anchor="ctr">
+                    <a:lnL w="28575" cap="flat" cmpd="sng" algn="ctr">
+                      <a:noFill/>
+                      <a:prstDash val="solid"/>
+                      <a:round/>
+                      <a:headEnd type="none" w="med" len="med"/>
+                      <a:tailEnd type="none" w="med" len="med"/>
+                    </a:lnL>
+                    <a:lnR w="12700" cap="flat" cmpd="sng" algn="ctr">
+                      <a:solidFill>
+                        <a:schemeClr val="tx1"/>
+                      </a:solidFill>
+                      <a:prstDash val="solid"/>
+                      <a:round/>
+                      <a:headEnd type="none" w="med" len="med"/>
+                      <a:tailEnd type="none" w="med" len="med"/>
+                    </a:lnR>
+                    <a:lnT w="12700" cap="flat" cmpd="sng" algn="ctr">
+                      <a:solidFill>
+                        <a:schemeClr val="tx1"/>
+                      </a:solidFill>
+                      <a:prstDash val="solid"/>
+                      <a:round/>
+                      <a:headEnd type="none" w="med" len="med"/>
+                      <a:tailEnd type="none" w="med" len="med"/>
+                    </a:lnT>
+                    <a:lnB w="12700" cap="flat" cmpd="sng" algn="ctr">
+                      <a:solidFill>
+                        <a:schemeClr val="tx1"/>
+                      </a:solidFill>
+                      <a:prstDash val="solid"/>
+                      <a:round/>
+                      <a:headEnd type="none" w="med" len="med"/>
+                      <a:tailEnd type="none" w="med" len="med"/>
+                    </a:lnB>
+                    <a:noFill/>
+                  </a:tcPr>
+                </a:tc>
+                <a:tc>
+                  <a:txBody>
+                    <a:bodyPr/>
+                    <a:lstStyle/>
+                    <a:p>
+                      <a:pPr algn="ctr" latinLnBrk="1"/>
+                      <a:endParaRPr lang="ko-KR" altLang="en-US" dirty="0"/>
+                    </a:p>
+                  </a:txBody>
+                  <a:tcPr anchor="ctr">
+                    <a:lnL w="12700" cap="flat" cmpd="sng" algn="ctr">
+                      <a:solidFill>
+                        <a:schemeClr val="tx1"/>
+                      </a:solidFill>
+                      <a:prstDash val="solid"/>
+                      <a:round/>
+                      <a:headEnd type="none" w="med" len="med"/>
+                      <a:tailEnd type="none" w="med" len="med"/>
+                    </a:lnL>
+                    <a:lnR w="12700" cap="flat" cmpd="sng" algn="ctr">
+                      <a:solidFill>
+                        <a:schemeClr val="tx1"/>
+                      </a:solidFill>
+                      <a:prstDash val="solid"/>
+                      <a:round/>
+                      <a:headEnd type="none" w="med" len="med"/>
+                      <a:tailEnd type="none" w="med" len="med"/>
+                    </a:lnR>
+                    <a:lnT w="12700" cap="flat" cmpd="sng" algn="ctr">
+                      <a:solidFill>
+                        <a:schemeClr val="tx1"/>
+                      </a:solidFill>
+                      <a:prstDash val="solid"/>
+                      <a:round/>
+                      <a:headEnd type="none" w="med" len="med"/>
+                      <a:tailEnd type="none" w="med" len="med"/>
+                    </a:lnT>
+                    <a:lnB w="12700" cap="flat" cmpd="sng" algn="ctr">
+                      <a:solidFill>
+                        <a:schemeClr val="tx1"/>
+                      </a:solidFill>
+                      <a:prstDash val="solid"/>
+                      <a:round/>
+                      <a:headEnd type="none" w="med" len="med"/>
+                      <a:tailEnd type="none" w="med" len="med"/>
+                    </a:lnB>
+                    <a:solidFill>
+                      <a:srgbClr val="00B0F0"/>
+                    </a:solidFill>
+                  </a:tcPr>
+                </a:tc>
+                <a:tc>
+                  <a:txBody>
+                    <a:bodyPr/>
+                    <a:lstStyle/>
+                    <a:p>
+                      <a:pPr algn="ctr" latinLnBrk="1"/>
+                      <a:endParaRPr lang="ko-KR" altLang="en-US" dirty="0"/>
+                    </a:p>
+                  </a:txBody>
+                  <a:tcPr anchor="ctr">
+                    <a:lnL w="12700" cap="flat" cmpd="sng" algn="ctr">
+                      <a:solidFill>
+                        <a:schemeClr val="tx1"/>
+                      </a:solidFill>
+                      <a:prstDash val="solid"/>
+                      <a:round/>
+                      <a:headEnd type="none" w="med" len="med"/>
+                      <a:tailEnd type="none" w="med" len="med"/>
+                    </a:lnL>
+                    <a:lnR w="12700" cap="flat" cmpd="sng" algn="ctr">
+                      <a:solidFill>
+                        <a:schemeClr val="tx1"/>
+                      </a:solidFill>
+                      <a:prstDash val="solid"/>
+                      <a:round/>
+                      <a:headEnd type="none" w="med" len="med"/>
+                      <a:tailEnd type="none" w="med" len="med"/>
+                    </a:lnR>
+                    <a:lnT w="12700" cap="flat" cmpd="sng" algn="ctr">
+                      <a:solidFill>
+                        <a:schemeClr val="tx1"/>
+                      </a:solidFill>
+                      <a:prstDash val="solid"/>
+                      <a:round/>
+                      <a:headEnd type="none" w="med" len="med"/>
+                      <a:tailEnd type="none" w="med" len="med"/>
+                    </a:lnT>
+                    <a:lnB w="12700" cap="flat" cmpd="sng" algn="ctr">
+                      <a:solidFill>
+                        <a:schemeClr val="tx1"/>
+                      </a:solidFill>
+                      <a:prstDash val="solid"/>
+                      <a:round/>
+                      <a:headEnd type="none" w="med" len="med"/>
+                      <a:tailEnd type="none" w="med" len="med"/>
+                    </a:lnB>
+                    <a:noFill/>
+                  </a:tcPr>
+                </a:tc>
+                <a:tc>
+                  <a:txBody>
+                    <a:bodyPr/>
+                    <a:lstStyle/>
+                    <a:p>
+                      <a:pPr algn="ctr" latinLnBrk="1"/>
+                      <a:endParaRPr lang="ko-KR" altLang="en-US" dirty="0"/>
+                    </a:p>
+                  </a:txBody>
+                  <a:tcPr anchor="ctr">
+                    <a:lnL w="12700" cap="flat" cmpd="sng" algn="ctr">
+                      <a:solidFill>
+                        <a:schemeClr val="tx1"/>
+                      </a:solidFill>
+                      <a:prstDash val="solid"/>
+                      <a:round/>
+                      <a:headEnd type="none" w="med" len="med"/>
+                      <a:tailEnd type="none" w="med" len="med"/>
+                    </a:lnL>
+                    <a:lnR w="12700" cap="flat" cmpd="sng" algn="ctr">
+                      <a:solidFill>
+                        <a:schemeClr val="tx1"/>
+                      </a:solidFill>
+                      <a:prstDash val="solid"/>
+                      <a:round/>
+                      <a:headEnd type="none" w="med" len="med"/>
+                      <a:tailEnd type="none" w="med" len="med"/>
+                    </a:lnR>
+                    <a:lnT w="12700" cap="flat" cmpd="sng" algn="ctr">
+                      <a:solidFill>
+                        <a:schemeClr val="tx1"/>
+                      </a:solidFill>
+                      <a:prstDash val="solid"/>
+                      <a:round/>
+                      <a:headEnd type="none" w="med" len="med"/>
+                      <a:tailEnd type="none" w="med" len="med"/>
+                    </a:lnT>
+                    <a:lnB w="12700" cap="flat" cmpd="sng" algn="ctr">
+                      <a:solidFill>
+                        <a:schemeClr val="tx1"/>
+                      </a:solidFill>
+                      <a:prstDash val="solid"/>
+                      <a:round/>
+                      <a:headEnd type="none" w="med" len="med"/>
+                      <a:tailEnd type="none" w="med" len="med"/>
+                    </a:lnB>
+                    <a:solidFill>
+                      <a:srgbClr val="00B0F0"/>
+                    </a:solidFill>
+                  </a:tcPr>
+                </a:tc>
+                <a:tc>
+                  <a:txBody>
+                    <a:bodyPr/>
+                    <a:lstStyle/>
+                    <a:p>
+                      <a:pPr algn="ctr" latinLnBrk="1"/>
+                      <a:endParaRPr lang="ko-KR" altLang="en-US" dirty="0"/>
+                    </a:p>
+                  </a:txBody>
+                  <a:tcPr anchor="ctr">
+                    <a:lnL w="12700" cap="flat" cmpd="sng" algn="ctr">
+                      <a:solidFill>
+                        <a:schemeClr val="tx1"/>
+                      </a:solidFill>
+                      <a:prstDash val="solid"/>
+                      <a:round/>
+                      <a:headEnd type="none" w="med" len="med"/>
+                      <a:tailEnd type="none" w="med" len="med"/>
+                    </a:lnL>
+                    <a:lnR w="28575" cap="flat" cmpd="sng" algn="ctr">
+                      <a:noFill/>
+                      <a:prstDash val="solid"/>
+                      <a:round/>
+                      <a:headEnd type="none" w="med" len="med"/>
+                      <a:tailEnd type="none" w="med" len="med"/>
+                    </a:lnR>
+                    <a:lnT w="12700" cap="flat" cmpd="sng" algn="ctr">
+                      <a:solidFill>
+                        <a:schemeClr val="tx1"/>
+                      </a:solidFill>
+                      <a:prstDash val="solid"/>
+                      <a:round/>
+                      <a:headEnd type="none" w="med" len="med"/>
+                      <a:tailEnd type="none" w="med" len="med"/>
+                    </a:lnT>
+                    <a:lnB w="12700" cap="flat" cmpd="sng" algn="ctr">
+                      <a:solidFill>
+                        <a:schemeClr val="tx1"/>
+                      </a:solidFill>
+                      <a:prstDash val="solid"/>
+                      <a:round/>
+                      <a:headEnd type="none" w="med" len="med"/>
+                      <a:tailEnd type="none" w="med" len="med"/>
+                    </a:lnB>
+                    <a:noFill/>
+                  </a:tcPr>
+                </a:tc>
+                <a:extLst>
+                  <a:ext uri="{0D108BD9-81ED-4DB2-BD59-A6C34878D82A}">
+                    <a16:rowId xmlns:a16="http://schemas.microsoft.com/office/drawing/2014/main" val="3004110771"/>
+                  </a:ext>
+                </a:extLst>
+              </a:tr>
+              <a:tr h="460138">
+                <a:tc>
+                  <a:txBody>
+                    <a:bodyPr/>
+                    <a:lstStyle/>
+                    <a:p>
+                      <a:pPr algn="ctr" latinLnBrk="1"/>
+                      <a:r>
+                        <a:rPr lang="ko-KR" altLang="en-US" dirty="0"/>
+                        <a:t>아이템</a:t>
+                      </a:r>
+                    </a:p>
+                  </a:txBody>
+                  <a:tcPr anchor="ctr">
+                    <a:lnL w="28575" cap="flat" cmpd="sng" algn="ctr">
+                      <a:noFill/>
+                      <a:prstDash val="solid"/>
+                      <a:round/>
+                      <a:headEnd type="none" w="med" len="med"/>
+                      <a:tailEnd type="none" w="med" len="med"/>
+                    </a:lnL>
+                    <a:lnR w="12700" cap="flat" cmpd="sng" algn="ctr">
+                      <a:solidFill>
+                        <a:schemeClr val="tx1"/>
+                      </a:solidFill>
+                      <a:prstDash val="solid"/>
+                      <a:round/>
+                      <a:headEnd type="none" w="med" len="med"/>
+                      <a:tailEnd type="none" w="med" len="med"/>
+                    </a:lnR>
+                    <a:lnT w="12700" cap="flat" cmpd="sng" algn="ctr">
+                      <a:solidFill>
+                        <a:schemeClr val="tx1"/>
+                      </a:solidFill>
+                      <a:prstDash val="solid"/>
+                      <a:round/>
+                      <a:headEnd type="none" w="med" len="med"/>
+                      <a:tailEnd type="none" w="med" len="med"/>
+                    </a:lnT>
+                    <a:lnB w="12700" cap="flat" cmpd="sng" algn="ctr">
+                      <a:solidFill>
+                        <a:schemeClr val="tx1"/>
+                      </a:solidFill>
+                      <a:prstDash val="solid"/>
+                      <a:round/>
+                      <a:headEnd type="none" w="med" len="med"/>
+                      <a:tailEnd type="none" w="med" len="med"/>
+                    </a:lnB>
+                    <a:noFill/>
+                  </a:tcPr>
+                </a:tc>
+                <a:tc>
+                  <a:txBody>
+                    <a:bodyPr/>
+                    <a:lstStyle/>
+                    <a:p>
+                      <a:pPr algn="ctr" latinLnBrk="1"/>
+                      <a:endParaRPr lang="ko-KR" altLang="en-US" dirty="0"/>
+                    </a:p>
+                  </a:txBody>
+                  <a:tcPr anchor="ctr">
+                    <a:lnL w="12700" cap="flat" cmpd="sng" algn="ctr">
+                      <a:solidFill>
+                        <a:schemeClr val="tx1"/>
+                      </a:solidFill>
+                      <a:prstDash val="solid"/>
+                      <a:round/>
+                      <a:headEnd type="none" w="med" len="med"/>
+                      <a:tailEnd type="none" w="med" len="med"/>
+                    </a:lnL>
+                    <a:lnR w="12700" cap="flat" cmpd="sng" algn="ctr">
+                      <a:solidFill>
+                        <a:schemeClr val="tx1"/>
+                      </a:solidFill>
+                      <a:prstDash val="solid"/>
+                      <a:round/>
+                      <a:headEnd type="none" w="med" len="med"/>
+                      <a:tailEnd type="none" w="med" len="med"/>
+                    </a:lnR>
+                    <a:lnT w="12700" cap="flat" cmpd="sng" algn="ctr">
+                      <a:solidFill>
+                        <a:schemeClr val="tx1"/>
+                      </a:solidFill>
+                      <a:prstDash val="solid"/>
+                      <a:round/>
+                      <a:headEnd type="none" w="med" len="med"/>
+                      <a:tailEnd type="none" w="med" len="med"/>
+                    </a:lnT>
+                    <a:lnB w="12700" cap="flat" cmpd="sng" algn="ctr">
+                      <a:solidFill>
+                        <a:schemeClr val="tx1"/>
+                      </a:solidFill>
+                      <a:prstDash val="solid"/>
+                      <a:round/>
+                      <a:headEnd type="none" w="med" len="med"/>
+                      <a:tailEnd type="none" w="med" len="med"/>
+                    </a:lnB>
+                    <a:solidFill>
+                      <a:srgbClr val="00B0F0"/>
+                    </a:solidFill>
+                  </a:tcPr>
+                </a:tc>
+                <a:tc>
+                  <a:txBody>
+                    <a:bodyPr/>
+                    <a:lstStyle/>
+                    <a:p>
+                      <a:pPr algn="ctr" latinLnBrk="1"/>
+                      <a:endParaRPr lang="ko-KR" altLang="en-US" dirty="0"/>
+                    </a:p>
+                  </a:txBody>
+                  <a:tcPr anchor="ctr">
+                    <a:lnL w="12700" cap="flat" cmpd="sng" algn="ctr">
+                      <a:solidFill>
+                        <a:schemeClr val="tx1"/>
+                      </a:solidFill>
+                      <a:prstDash val="solid"/>
+                      <a:round/>
+                      <a:headEnd type="none" w="med" len="med"/>
+                      <a:tailEnd type="none" w="med" len="med"/>
+                    </a:lnL>
+                    <a:lnR w="12700" cap="flat" cmpd="sng" algn="ctr">
+                      <a:solidFill>
+                        <a:schemeClr val="tx1"/>
+                      </a:solidFill>
+                      <a:prstDash val="solid"/>
+                      <a:round/>
+                      <a:headEnd type="none" w="med" len="med"/>
+                      <a:tailEnd type="none" w="med" len="med"/>
+                    </a:lnR>
+                    <a:lnT w="12700" cap="flat" cmpd="sng" algn="ctr">
+                      <a:solidFill>
+                        <a:schemeClr val="tx1"/>
+                      </a:solidFill>
+                      <a:prstDash val="solid"/>
+                      <a:round/>
+                      <a:headEnd type="none" w="med" len="med"/>
+                      <a:tailEnd type="none" w="med" len="med"/>
+                    </a:lnT>
+                    <a:lnB w="12700" cap="flat" cmpd="sng" algn="ctr">
+                      <a:solidFill>
+                        <a:schemeClr val="tx1"/>
+                      </a:solidFill>
+                      <a:prstDash val="solid"/>
+                      <a:round/>
+                      <a:headEnd type="none" w="med" len="med"/>
+                      <a:tailEnd type="none" w="med" len="med"/>
+                    </a:lnB>
+                    <a:noFill/>
+                  </a:tcPr>
+                </a:tc>
+                <a:tc>
+                  <a:txBody>
+                    <a:bodyPr/>
+                    <a:lstStyle/>
+                    <a:p>
+                      <a:pPr algn="ctr" latinLnBrk="1"/>
+                      <a:endParaRPr lang="ko-KR" altLang="en-US" dirty="0"/>
+                    </a:p>
+                  </a:txBody>
+                  <a:tcPr anchor="ctr">
+                    <a:lnL w="12700" cap="flat" cmpd="sng" algn="ctr">
+                      <a:solidFill>
+                        <a:schemeClr val="tx1"/>
+                      </a:solidFill>
+                      <a:prstDash val="solid"/>
+                      <a:round/>
+                      <a:headEnd type="none" w="med" len="med"/>
+                      <a:tailEnd type="none" w="med" len="med"/>
+                    </a:lnL>
+                    <a:lnR w="12700" cap="flat" cmpd="sng" algn="ctr">
+                      <a:solidFill>
+                        <a:schemeClr val="tx1"/>
+                      </a:solidFill>
+                      <a:prstDash val="solid"/>
+                      <a:round/>
+                      <a:headEnd type="none" w="med" len="med"/>
+                      <a:tailEnd type="none" w="med" len="med"/>
+                    </a:lnR>
+                    <a:lnT w="12700" cap="flat" cmpd="sng" algn="ctr">
+                      <a:solidFill>
+                        <a:schemeClr val="tx1"/>
+                      </a:solidFill>
+                      <a:prstDash val="solid"/>
+                      <a:round/>
+                      <a:headEnd type="none" w="med" len="med"/>
+                      <a:tailEnd type="none" w="med" len="med"/>
+                    </a:lnT>
+                    <a:lnB w="12700" cap="flat" cmpd="sng" algn="ctr">
+                      <a:solidFill>
+                        <a:schemeClr val="tx1"/>
+                      </a:solidFill>
+                      <a:prstDash val="solid"/>
+                      <a:round/>
+                      <a:headEnd type="none" w="med" len="med"/>
+                      <a:tailEnd type="none" w="med" len="med"/>
+                    </a:lnB>
+                    <a:noFill/>
+                  </a:tcPr>
+                </a:tc>
+                <a:tc>
+                  <a:txBody>
+                    <a:bodyPr/>
+                    <a:lstStyle/>
+                    <a:p>
+                      <a:pPr algn="ctr" latinLnBrk="1"/>
+                      <a:endParaRPr lang="ko-KR" altLang="en-US" dirty="0"/>
+                    </a:p>
+                  </a:txBody>
+                  <a:tcPr anchor="ctr">
+                    <a:lnL w="12700" cap="flat" cmpd="sng" algn="ctr">
+                      <a:solidFill>
+                        <a:schemeClr val="tx1"/>
+                      </a:solidFill>
+                      <a:prstDash val="solid"/>
+                      <a:round/>
+                      <a:headEnd type="none" w="med" len="med"/>
+                      <a:tailEnd type="none" w="med" len="med"/>
+                    </a:lnL>
+                    <a:lnR w="28575" cap="flat" cmpd="sng" algn="ctr">
+                      <a:noFill/>
+                      <a:prstDash val="solid"/>
+                      <a:round/>
+                      <a:headEnd type="none" w="med" len="med"/>
+                      <a:tailEnd type="none" w="med" len="med"/>
+                    </a:lnR>
+                    <a:lnT w="12700" cap="flat" cmpd="sng" algn="ctr">
+                      <a:solidFill>
+                        <a:schemeClr val="tx1"/>
+                      </a:solidFill>
+                      <a:prstDash val="solid"/>
+                      <a:round/>
+                      <a:headEnd type="none" w="med" len="med"/>
+                      <a:tailEnd type="none" w="med" len="med"/>
+                    </a:lnT>
+                    <a:lnB w="12700" cap="flat" cmpd="sng" algn="ctr">
+                      <a:solidFill>
+                        <a:schemeClr val="tx1"/>
+                      </a:solidFill>
+                      <a:prstDash val="solid"/>
+                      <a:round/>
+                      <a:headEnd type="none" w="med" len="med"/>
+                      <a:tailEnd type="none" w="med" len="med"/>
+                    </a:lnB>
+                    <a:noFill/>
+                  </a:tcPr>
+                </a:tc>
+                <a:extLst>
+                  <a:ext uri="{0D108BD9-81ED-4DB2-BD59-A6C34878D82A}">
+                    <a16:rowId xmlns:a16="http://schemas.microsoft.com/office/drawing/2014/main" val="1188006184"/>
+                  </a:ext>
+                </a:extLst>
+              </a:tr>
+              <a:tr h="460138">
+                <a:tc>
+                  <a:txBody>
+                    <a:bodyPr/>
+                    <a:lstStyle/>
+                    <a:p>
+                      <a:pPr algn="ctr" latinLnBrk="1"/>
+                      <a:r>
+                        <a:rPr lang="ko-KR" altLang="en-US" dirty="0"/>
+                        <a:t>적 몬스터</a:t>
+                      </a:r>
+                    </a:p>
+                  </a:txBody>
+                  <a:tcPr anchor="ctr">
+                    <a:lnL w="28575" cap="flat" cmpd="sng" algn="ctr">
+                      <a:noFill/>
+                      <a:prstDash val="solid"/>
+                      <a:round/>
+                      <a:headEnd type="none" w="med" len="med"/>
+                      <a:tailEnd type="none" w="med" len="med"/>
+                    </a:lnL>
+                    <a:lnR w="12700" cap="flat" cmpd="sng" algn="ctr">
+                      <a:solidFill>
+                        <a:schemeClr val="tx1"/>
+                      </a:solidFill>
+                      <a:prstDash val="solid"/>
+                      <a:round/>
+                      <a:headEnd type="none" w="med" len="med"/>
+                      <a:tailEnd type="none" w="med" len="med"/>
+                    </a:lnR>
+                    <a:lnT w="12700" cap="flat" cmpd="sng" algn="ctr">
+                      <a:solidFill>
+                        <a:schemeClr val="tx1"/>
+                      </a:solidFill>
+                      <a:prstDash val="solid"/>
+                      <a:round/>
+                      <a:headEnd type="none" w="med" len="med"/>
+                      <a:tailEnd type="none" w="med" len="med"/>
+                    </a:lnT>
+                    <a:lnB w="12700" cap="flat" cmpd="sng" algn="ctr">
+                      <a:solidFill>
+                        <a:schemeClr val="tx1"/>
+                      </a:solidFill>
+                      <a:prstDash val="solid"/>
+                      <a:round/>
+                      <a:headEnd type="none" w="med" len="med"/>
+                      <a:tailEnd type="none" w="med" len="med"/>
+                    </a:lnB>
+                    <a:noFill/>
+                  </a:tcPr>
+                </a:tc>
+                <a:tc>
+                  <a:txBody>
+                    <a:bodyPr/>
+                    <a:lstStyle/>
+                    <a:p>
+                      <a:pPr algn="ctr" latinLnBrk="1"/>
+                      <a:endParaRPr lang="ko-KR" altLang="en-US" dirty="0"/>
+                    </a:p>
+                  </a:txBody>
+                  <a:tcPr anchor="ctr">
+                    <a:lnL w="12700" cap="flat" cmpd="sng" algn="ctr">
+                      <a:solidFill>
+                        <a:schemeClr val="tx1"/>
+                      </a:solidFill>
+                      <a:prstDash val="solid"/>
+                      <a:round/>
+                      <a:headEnd type="none" w="med" len="med"/>
+                      <a:tailEnd type="none" w="med" len="med"/>
+                    </a:lnL>
+                    <a:lnR w="12700" cap="flat" cmpd="sng" algn="ctr">
+                      <a:solidFill>
+                        <a:schemeClr val="tx1"/>
+                      </a:solidFill>
+                      <a:prstDash val="solid"/>
+                      <a:round/>
+                      <a:headEnd type="none" w="med" len="med"/>
+                      <a:tailEnd type="none" w="med" len="med"/>
+                    </a:lnR>
+                    <a:lnT w="12700" cap="flat" cmpd="sng" algn="ctr">
+                      <a:solidFill>
+                        <a:schemeClr val="tx1"/>
+                      </a:solidFill>
+                      <a:prstDash val="solid"/>
+                      <a:round/>
+                      <a:headEnd type="none" w="med" len="med"/>
+                      <a:tailEnd type="none" w="med" len="med"/>
+                    </a:lnT>
+                    <a:lnB w="12700" cap="flat" cmpd="sng" algn="ctr">
+                      <a:solidFill>
+                        <a:schemeClr val="tx1"/>
+                      </a:solidFill>
+                      <a:prstDash val="solid"/>
+                      <a:round/>
+                      <a:headEnd type="none" w="med" len="med"/>
+                      <a:tailEnd type="none" w="med" len="med"/>
+                    </a:lnB>
+                    <a:solidFill>
+                      <a:srgbClr val="00B0F0"/>
+                    </a:solidFill>
+                  </a:tcPr>
+                </a:tc>
+                <a:tc>
+                  <a:txBody>
+                    <a:bodyPr/>
+                    <a:lstStyle/>
+                    <a:p>
+                      <a:pPr algn="ctr" latinLnBrk="1"/>
+                      <a:endParaRPr lang="ko-KR" altLang="en-US" dirty="0"/>
+                    </a:p>
+                  </a:txBody>
+                  <a:tcPr anchor="ctr">
+                    <a:lnL w="12700" cap="flat" cmpd="sng" algn="ctr">
+                      <a:solidFill>
+                        <a:schemeClr val="tx1"/>
+                      </a:solidFill>
+                      <a:prstDash val="solid"/>
+                      <a:round/>
+                      <a:headEnd type="none" w="med" len="med"/>
+                      <a:tailEnd type="none" w="med" len="med"/>
+                    </a:lnL>
+                    <a:lnR w="12700" cap="flat" cmpd="sng" algn="ctr">
+                      <a:solidFill>
+                        <a:schemeClr val="tx1"/>
+                      </a:solidFill>
+                      <a:prstDash val="solid"/>
+                      <a:round/>
+                      <a:headEnd type="none" w="med" len="med"/>
+                      <a:tailEnd type="none" w="med" len="med"/>
+                    </a:lnR>
+                    <a:lnT w="12700" cap="flat" cmpd="sng" algn="ctr">
+                      <a:solidFill>
+                        <a:schemeClr val="tx1"/>
+                      </a:solidFill>
+                      <a:prstDash val="solid"/>
+                      <a:round/>
+                      <a:headEnd type="none" w="med" len="med"/>
+                      <a:tailEnd type="none" w="med" len="med"/>
+                    </a:lnT>
+                    <a:lnB w="12700" cap="flat" cmpd="sng" algn="ctr">
+                      <a:solidFill>
+                        <a:schemeClr val="tx1"/>
+                      </a:solidFill>
+                      <a:prstDash val="solid"/>
+                      <a:round/>
+                      <a:headEnd type="none" w="med" len="med"/>
+                      <a:tailEnd type="none" w="med" len="med"/>
+                    </a:lnB>
+                    <a:solidFill>
+                      <a:srgbClr val="00B0F0"/>
+                    </a:solidFill>
+                  </a:tcPr>
+                </a:tc>
+                <a:tc>
+                  <a:txBody>
+                    <a:bodyPr/>
+                    <a:lstStyle/>
+                    <a:p>
+                      <a:pPr algn="ctr" latinLnBrk="1"/>
+                      <a:endParaRPr lang="ko-KR" altLang="en-US" dirty="0"/>
+                    </a:p>
+                  </a:txBody>
+                  <a:tcPr anchor="ctr">
+                    <a:lnL w="12700" cap="flat" cmpd="sng" algn="ctr">
+                      <a:solidFill>
+                        <a:schemeClr val="tx1"/>
+                      </a:solidFill>
+                      <a:prstDash val="solid"/>
+                      <a:round/>
+                      <a:headEnd type="none" w="med" len="med"/>
+                      <a:tailEnd type="none" w="med" len="med"/>
+                    </a:lnL>
+                    <a:lnR w="12700" cap="flat" cmpd="sng" algn="ctr">
+                      <a:solidFill>
+                        <a:schemeClr val="tx1"/>
+                      </a:solidFill>
+                      <a:prstDash val="solid"/>
+                      <a:round/>
+                      <a:headEnd type="none" w="med" len="med"/>
+                      <a:tailEnd type="none" w="med" len="med"/>
+                    </a:lnR>
+                    <a:lnT w="12700" cap="flat" cmpd="sng" algn="ctr">
+                      <a:solidFill>
+                        <a:schemeClr val="tx1"/>
+                      </a:solidFill>
+                      <a:prstDash val="solid"/>
+                      <a:round/>
+                      <a:headEnd type="none" w="med" len="med"/>
+                      <a:tailEnd type="none" w="med" len="med"/>
+                    </a:lnT>
+                    <a:lnB w="12700" cap="flat" cmpd="sng" algn="ctr">
+                      <a:solidFill>
+                        <a:schemeClr val="tx1"/>
+                      </a:solidFill>
+                      <a:prstDash val="solid"/>
+                      <a:round/>
+                      <a:headEnd type="none" w="med" len="med"/>
+                      <a:tailEnd type="none" w="med" len="med"/>
+                    </a:lnB>
+                    <a:noFill/>
+                  </a:tcPr>
+                </a:tc>
+                <a:tc>
+                  <a:txBody>
+                    <a:bodyPr/>
+                    <a:lstStyle/>
+                    <a:p>
+                      <a:pPr algn="ctr" latinLnBrk="1"/>
+                      <a:endParaRPr lang="ko-KR" altLang="en-US" dirty="0"/>
+                    </a:p>
+                  </a:txBody>
+                  <a:tcPr anchor="ctr">
+                    <a:lnL w="12700" cap="flat" cmpd="sng" algn="ctr">
+                      <a:solidFill>
+                        <a:schemeClr val="tx1"/>
+                      </a:solidFill>
+                      <a:prstDash val="solid"/>
+                      <a:round/>
+                      <a:headEnd type="none" w="med" len="med"/>
+                      <a:tailEnd type="none" w="med" len="med"/>
+                    </a:lnL>
+                    <a:lnR w="28575" cap="flat" cmpd="sng" algn="ctr">
+                      <a:noFill/>
+                      <a:prstDash val="solid"/>
+                      <a:round/>
+                      <a:headEnd type="none" w="med" len="med"/>
+                      <a:tailEnd type="none" w="med" len="med"/>
+                    </a:lnR>
+                    <a:lnT w="12700" cap="flat" cmpd="sng" algn="ctr">
+                      <a:solidFill>
+                        <a:schemeClr val="tx1"/>
+                      </a:solidFill>
+                      <a:prstDash val="solid"/>
+                      <a:round/>
+                      <a:headEnd type="none" w="med" len="med"/>
+                      <a:tailEnd type="none" w="med" len="med"/>
+                    </a:lnT>
+                    <a:lnB w="12700" cap="flat" cmpd="sng" algn="ctr">
+                      <a:solidFill>
+                        <a:schemeClr val="tx1"/>
+                      </a:solidFill>
+                      <a:prstDash val="solid"/>
+                      <a:round/>
+                      <a:headEnd type="none" w="med" len="med"/>
+                      <a:tailEnd type="none" w="med" len="med"/>
+                    </a:lnB>
+                    <a:noFill/>
+                  </a:tcPr>
+                </a:tc>
+                <a:extLst>
+                  <a:ext uri="{0D108BD9-81ED-4DB2-BD59-A6C34878D82A}">
+                    <a16:rowId xmlns:a16="http://schemas.microsoft.com/office/drawing/2014/main" val="309935912"/>
+                  </a:ext>
+                </a:extLst>
+              </a:tr>
+              <a:tr h="460138">
+                <a:tc>
+                  <a:txBody>
+                    <a:bodyPr/>
+                    <a:lstStyle/>
+                    <a:p>
+                      <a:pPr algn="ctr" latinLnBrk="1"/>
+                      <a:r>
+                        <a:rPr lang="ko-KR" altLang="en-US" dirty="0"/>
+                        <a:t>차원 전환</a:t>
+                      </a:r>
+                    </a:p>
+                  </a:txBody>
+                  <a:tcPr anchor="ctr">
+                    <a:lnL w="28575" cap="flat" cmpd="sng" algn="ctr">
+                      <a:noFill/>
+                      <a:prstDash val="solid"/>
+                      <a:round/>
+                      <a:headEnd type="none" w="med" len="med"/>
+                      <a:tailEnd type="none" w="med" len="med"/>
+                    </a:lnL>
+                    <a:lnR w="12700" cap="flat" cmpd="sng" algn="ctr">
+                      <a:solidFill>
+                        <a:schemeClr val="tx1"/>
+                      </a:solidFill>
+                      <a:prstDash val="solid"/>
+                      <a:round/>
+                      <a:headEnd type="none" w="med" len="med"/>
+                      <a:tailEnd type="none" w="med" len="med"/>
+                    </a:lnR>
+                    <a:lnT w="12700" cap="flat" cmpd="sng" algn="ctr">
+                      <a:solidFill>
+                        <a:schemeClr val="tx1"/>
+                      </a:solidFill>
+                      <a:prstDash val="solid"/>
+                      <a:round/>
+                      <a:headEnd type="none" w="med" len="med"/>
+                      <a:tailEnd type="none" w="med" len="med"/>
+                    </a:lnT>
+                    <a:lnB w="12700" cap="flat" cmpd="sng" algn="ctr">
+                      <a:solidFill>
+                        <a:schemeClr val="tx1"/>
+                      </a:solidFill>
+                      <a:prstDash val="solid"/>
+                      <a:round/>
+                      <a:headEnd type="none" w="med" len="med"/>
+                      <a:tailEnd type="none" w="med" len="med"/>
+                    </a:lnB>
+                    <a:noFill/>
+                  </a:tcPr>
+                </a:tc>
+                <a:tc>
+                  <a:txBody>
+                    <a:bodyPr/>
+                    <a:lstStyle/>
+                    <a:p>
+                      <a:pPr algn="ctr" latinLnBrk="1"/>
+                      <a:endParaRPr lang="ko-KR" altLang="en-US" dirty="0"/>
+                    </a:p>
+                  </a:txBody>
+                  <a:tcPr anchor="ctr">
+                    <a:lnL w="12700" cap="flat" cmpd="sng" algn="ctr">
+                      <a:solidFill>
+                        <a:schemeClr val="tx1"/>
+                      </a:solidFill>
+                      <a:prstDash val="solid"/>
+                      <a:round/>
+                      <a:headEnd type="none" w="med" len="med"/>
+                      <a:tailEnd type="none" w="med" len="med"/>
+                    </a:lnL>
+                    <a:lnR w="12700" cap="flat" cmpd="sng" algn="ctr">
+                      <a:solidFill>
+                        <a:schemeClr val="tx1"/>
+                      </a:solidFill>
+                      <a:prstDash val="solid"/>
+                      <a:round/>
+                      <a:headEnd type="none" w="med" len="med"/>
+                      <a:tailEnd type="none" w="med" len="med"/>
+                    </a:lnR>
+                    <a:lnT w="12700" cap="flat" cmpd="sng" algn="ctr">
+                      <a:solidFill>
+                        <a:schemeClr val="tx1"/>
+                      </a:solidFill>
+                      <a:prstDash val="solid"/>
+                      <a:round/>
+                      <a:headEnd type="none" w="med" len="med"/>
+                      <a:tailEnd type="none" w="med" len="med"/>
+                    </a:lnT>
+                    <a:lnB w="12700" cap="flat" cmpd="sng" algn="ctr">
+                      <a:solidFill>
+                        <a:schemeClr val="tx1"/>
+                      </a:solidFill>
+                      <a:prstDash val="solid"/>
+                      <a:round/>
+                      <a:headEnd type="none" w="med" len="med"/>
+                      <a:tailEnd type="none" w="med" len="med"/>
+                    </a:lnB>
+                    <a:noFill/>
+                  </a:tcPr>
+                </a:tc>
+                <a:tc>
+                  <a:txBody>
+                    <a:bodyPr/>
+                    <a:lstStyle/>
+                    <a:p>
+                      <a:pPr algn="ctr" latinLnBrk="1"/>
+                      <a:endParaRPr lang="ko-KR" altLang="en-US" dirty="0"/>
+                    </a:p>
+                  </a:txBody>
+                  <a:tcPr anchor="ctr">
+                    <a:lnL w="12700" cap="flat" cmpd="sng" algn="ctr">
+                      <a:solidFill>
+                        <a:schemeClr val="tx1"/>
+                      </a:solidFill>
+                      <a:prstDash val="solid"/>
+                      <a:round/>
+                      <a:headEnd type="none" w="med" len="med"/>
+                      <a:tailEnd type="none" w="med" len="med"/>
+                    </a:lnL>
+                    <a:lnR w="12700" cap="flat" cmpd="sng" algn="ctr">
+                      <a:solidFill>
+                        <a:schemeClr val="tx1"/>
+                      </a:solidFill>
+                      <a:prstDash val="solid"/>
+                      <a:round/>
+                      <a:headEnd type="none" w="med" len="med"/>
+                      <a:tailEnd type="none" w="med" len="med"/>
+                    </a:lnR>
+                    <a:lnT w="12700" cap="flat" cmpd="sng" algn="ctr">
+                      <a:solidFill>
+                        <a:schemeClr val="tx1"/>
+                      </a:solidFill>
+                      <a:prstDash val="solid"/>
+                      <a:round/>
+                      <a:headEnd type="none" w="med" len="med"/>
+                      <a:tailEnd type="none" w="med" len="med"/>
+                    </a:lnT>
+                    <a:lnB w="12700" cap="flat" cmpd="sng" algn="ctr">
+                      <a:solidFill>
+                        <a:schemeClr val="tx1"/>
+                      </a:solidFill>
+                      <a:prstDash val="solid"/>
+                      <a:round/>
+                      <a:headEnd type="none" w="med" len="med"/>
+                      <a:tailEnd type="none" w="med" len="med"/>
+                    </a:lnB>
+                    <a:solidFill>
+                      <a:srgbClr val="00B0F0"/>
+                    </a:solidFill>
+                  </a:tcPr>
+                </a:tc>
+                <a:tc>
+                  <a:txBody>
+                    <a:bodyPr/>
+                    <a:lstStyle/>
+                    <a:p>
+                      <a:pPr algn="ctr" latinLnBrk="1"/>
+                      <a:endParaRPr lang="ko-KR" altLang="en-US" dirty="0"/>
+                    </a:p>
+                  </a:txBody>
+                  <a:tcPr anchor="ctr">
+                    <a:lnL w="12700" cap="flat" cmpd="sng" algn="ctr">
+                      <a:solidFill>
+                        <a:schemeClr val="tx1"/>
+                      </a:solidFill>
+                      <a:prstDash val="solid"/>
+                      <a:round/>
+                      <a:headEnd type="none" w="med" len="med"/>
+                      <a:tailEnd type="none" w="med" len="med"/>
+                    </a:lnL>
+                    <a:lnR w="12700" cap="flat" cmpd="sng" algn="ctr">
+                      <a:solidFill>
+                        <a:schemeClr val="tx1"/>
+                      </a:solidFill>
+                      <a:prstDash val="solid"/>
+                      <a:round/>
+                      <a:headEnd type="none" w="med" len="med"/>
+                      <a:tailEnd type="none" w="med" len="med"/>
+                    </a:lnR>
+                    <a:lnT w="12700" cap="flat" cmpd="sng" algn="ctr">
+                      <a:solidFill>
+                        <a:schemeClr val="tx1"/>
+                      </a:solidFill>
+                      <a:prstDash val="solid"/>
+                      <a:round/>
+                      <a:headEnd type="none" w="med" len="med"/>
+                      <a:tailEnd type="none" w="med" len="med"/>
+                    </a:lnT>
+                    <a:lnB w="12700" cap="flat" cmpd="sng" algn="ctr">
+                      <a:solidFill>
+                        <a:schemeClr val="tx1"/>
+                      </a:solidFill>
+                      <a:prstDash val="solid"/>
+                      <a:round/>
+                      <a:headEnd type="none" w="med" len="med"/>
+                      <a:tailEnd type="none" w="med" len="med"/>
+                    </a:lnB>
+                    <a:solidFill>
+                      <a:srgbClr val="00B0F0"/>
+                    </a:solidFill>
+                  </a:tcPr>
+                </a:tc>
+                <a:tc>
+                  <a:txBody>
+                    <a:bodyPr/>
+                    <a:lstStyle/>
+                    <a:p>
+                      <a:pPr algn="ctr" latinLnBrk="1"/>
+                      <a:endParaRPr lang="ko-KR" altLang="en-US" dirty="0"/>
+                    </a:p>
+                  </a:txBody>
+                  <a:tcPr anchor="ctr">
+                    <a:lnL w="12700" cap="flat" cmpd="sng" algn="ctr">
+                      <a:solidFill>
+                        <a:schemeClr val="tx1"/>
+                      </a:solidFill>
+                      <a:prstDash val="solid"/>
+                      <a:round/>
+                      <a:headEnd type="none" w="med" len="med"/>
+                      <a:tailEnd type="none" w="med" len="med"/>
+                    </a:lnL>
+                    <a:lnR w="28575" cap="flat" cmpd="sng" algn="ctr">
+                      <a:noFill/>
+                      <a:prstDash val="solid"/>
+                      <a:round/>
+                      <a:headEnd type="none" w="med" len="med"/>
+                      <a:tailEnd type="none" w="med" len="med"/>
+                    </a:lnR>
+                    <a:lnT w="12700" cap="flat" cmpd="sng" algn="ctr">
+                      <a:solidFill>
+                        <a:schemeClr val="tx1"/>
+                      </a:solidFill>
+                      <a:prstDash val="solid"/>
+                      <a:round/>
+                      <a:headEnd type="none" w="med" len="med"/>
+                      <a:tailEnd type="none" w="med" len="med"/>
+                    </a:lnT>
+                    <a:lnB w="12700" cap="flat" cmpd="sng" algn="ctr">
+                      <a:solidFill>
+                        <a:schemeClr val="tx1"/>
+                      </a:solidFill>
+                      <a:prstDash val="solid"/>
+                      <a:round/>
+                      <a:headEnd type="none" w="med" len="med"/>
+                      <a:tailEnd type="none" w="med" len="med"/>
+                    </a:lnB>
+                    <a:noFill/>
+                  </a:tcPr>
+                </a:tc>
+                <a:extLst>
+                  <a:ext uri="{0D108BD9-81ED-4DB2-BD59-A6C34878D82A}">
+                    <a16:rowId xmlns:a16="http://schemas.microsoft.com/office/drawing/2014/main" val="2303343104"/>
+                  </a:ext>
+                </a:extLst>
+              </a:tr>
+              <a:tr h="460138">
+                <a:tc>
+                  <a:txBody>
+                    <a:bodyPr/>
+                    <a:lstStyle/>
+                    <a:p>
+                      <a:pPr algn="ctr" latinLnBrk="1"/>
+                      <a:r>
+                        <a:rPr lang="en-US" altLang="ko-KR" dirty="0"/>
+                        <a:t>UI</a:t>
+                      </a:r>
+                      <a:endParaRPr lang="ko-KR" altLang="en-US" dirty="0"/>
+                    </a:p>
+                  </a:txBody>
+                  <a:tcPr anchor="ctr">
+                    <a:lnL w="28575" cap="flat" cmpd="sng" algn="ctr">
+                      <a:noFill/>
+                      <a:prstDash val="solid"/>
+                      <a:round/>
+                      <a:headEnd type="none" w="med" len="med"/>
+                      <a:tailEnd type="none" w="med" len="med"/>
+                    </a:lnL>
+                    <a:lnR w="12700" cap="flat" cmpd="sng" algn="ctr">
+                      <a:solidFill>
+                        <a:schemeClr val="tx1"/>
+                      </a:solidFill>
+                      <a:prstDash val="solid"/>
+                      <a:round/>
+                      <a:headEnd type="none" w="med" len="med"/>
+                      <a:tailEnd type="none" w="med" len="med"/>
+                    </a:lnR>
+                    <a:lnT w="12700" cap="flat" cmpd="sng" algn="ctr">
+                      <a:solidFill>
+                        <a:schemeClr val="tx1"/>
+                      </a:solidFill>
+                      <a:prstDash val="solid"/>
+                      <a:round/>
+                      <a:headEnd type="none" w="med" len="med"/>
+                      <a:tailEnd type="none" w="med" len="med"/>
+                    </a:lnT>
+                    <a:lnB w="12700" cap="flat" cmpd="sng" algn="ctr">
+                      <a:solidFill>
+                        <a:schemeClr val="tx1"/>
+                      </a:solidFill>
+                      <a:prstDash val="solid"/>
+                      <a:round/>
+                      <a:headEnd type="none" w="med" len="med"/>
+                      <a:tailEnd type="none" w="med" len="med"/>
+                    </a:lnB>
+                    <a:noFill/>
+                  </a:tcPr>
+                </a:tc>
+                <a:tc>
+                  <a:txBody>
+                    <a:bodyPr/>
+                    <a:lstStyle/>
+                    <a:p>
+                      <a:pPr algn="ctr" latinLnBrk="1"/>
+                      <a:endParaRPr lang="ko-KR" altLang="en-US" dirty="0"/>
+                    </a:p>
+                  </a:txBody>
+                  <a:tcPr anchor="ctr">
+                    <a:lnL w="12700" cap="flat" cmpd="sng" algn="ctr">
+                      <a:solidFill>
+                        <a:schemeClr val="tx1"/>
+                      </a:solidFill>
+                      <a:prstDash val="solid"/>
+                      <a:round/>
+                      <a:headEnd type="none" w="med" len="med"/>
+                      <a:tailEnd type="none" w="med" len="med"/>
+                    </a:lnL>
+                    <a:lnR w="12700" cap="flat" cmpd="sng" algn="ctr">
+                      <a:solidFill>
+                        <a:schemeClr val="tx1"/>
+                      </a:solidFill>
+                      <a:prstDash val="solid"/>
+                      <a:round/>
+                      <a:headEnd type="none" w="med" len="med"/>
+                      <a:tailEnd type="none" w="med" len="med"/>
+                    </a:lnR>
+                    <a:lnT w="12700" cap="flat" cmpd="sng" algn="ctr">
+                      <a:solidFill>
+                        <a:schemeClr val="tx1"/>
+                      </a:solidFill>
+                      <a:prstDash val="solid"/>
+                      <a:round/>
+                      <a:headEnd type="none" w="med" len="med"/>
+                      <a:tailEnd type="none" w="med" len="med"/>
+                    </a:lnT>
+                    <a:lnB w="12700" cap="flat" cmpd="sng" algn="ctr">
+                      <a:solidFill>
+                        <a:schemeClr val="tx1"/>
+                      </a:solidFill>
+                      <a:prstDash val="solid"/>
+                      <a:round/>
+                      <a:headEnd type="none" w="med" len="med"/>
+                      <a:tailEnd type="none" w="med" len="med"/>
+                    </a:lnB>
+                    <a:noFill/>
+                  </a:tcPr>
+                </a:tc>
+                <a:tc>
+                  <a:txBody>
+                    <a:bodyPr/>
+                    <a:lstStyle/>
+                    <a:p>
+                      <a:pPr algn="ctr" latinLnBrk="1"/>
+                      <a:endParaRPr lang="ko-KR" altLang="en-US" dirty="0"/>
+                    </a:p>
+                  </a:txBody>
+                  <a:tcPr anchor="ctr">
+                    <a:lnL w="12700" cap="flat" cmpd="sng" algn="ctr">
+                      <a:solidFill>
+                        <a:schemeClr val="tx1"/>
+                      </a:solidFill>
+                      <a:prstDash val="solid"/>
+                      <a:round/>
+                      <a:headEnd type="none" w="med" len="med"/>
+                      <a:tailEnd type="none" w="med" len="med"/>
+                    </a:lnL>
+                    <a:lnR w="12700" cap="flat" cmpd="sng" algn="ctr">
+                      <a:solidFill>
+                        <a:schemeClr val="tx1"/>
+                      </a:solidFill>
+                      <a:prstDash val="solid"/>
+                      <a:round/>
+                      <a:headEnd type="none" w="med" len="med"/>
+                      <a:tailEnd type="none" w="med" len="med"/>
+                    </a:lnR>
+                    <a:lnT w="12700" cap="flat" cmpd="sng" algn="ctr">
+                      <a:solidFill>
+                        <a:schemeClr val="tx1"/>
+                      </a:solidFill>
+                      <a:prstDash val="solid"/>
+                      <a:round/>
+                      <a:headEnd type="none" w="med" len="med"/>
+                      <a:tailEnd type="none" w="med" len="med"/>
+                    </a:lnT>
+                    <a:lnB w="12700" cap="flat" cmpd="sng" algn="ctr">
+                      <a:solidFill>
+                        <a:schemeClr val="tx1"/>
+                      </a:solidFill>
+                      <a:prstDash val="solid"/>
+                      <a:round/>
+                      <a:headEnd type="none" w="med" len="med"/>
+                      <a:tailEnd type="none" w="med" len="med"/>
+                    </a:lnB>
+                    <a:noFill/>
+                  </a:tcPr>
+                </a:tc>
+                <a:tc>
+                  <a:txBody>
+                    <a:bodyPr/>
+                    <a:lstStyle/>
+                    <a:p>
+                      <a:pPr algn="ctr" latinLnBrk="1"/>
+                      <a:endParaRPr lang="ko-KR" altLang="en-US" dirty="0"/>
+                    </a:p>
+                  </a:txBody>
+                  <a:tcPr anchor="ctr">
+                    <a:lnL w="12700" cap="flat" cmpd="sng" algn="ctr">
+                      <a:solidFill>
+                        <a:schemeClr val="tx1"/>
+                      </a:solidFill>
+                      <a:prstDash val="solid"/>
+                      <a:round/>
+                      <a:headEnd type="none" w="med" len="med"/>
+                      <a:tailEnd type="none" w="med" len="med"/>
+                    </a:lnL>
+                    <a:lnR w="12700" cap="flat" cmpd="sng" algn="ctr">
+                      <a:solidFill>
+                        <a:schemeClr val="tx1"/>
+                      </a:solidFill>
+                      <a:prstDash val="solid"/>
+                      <a:round/>
+                      <a:headEnd type="none" w="med" len="med"/>
+                      <a:tailEnd type="none" w="med" len="med"/>
+                    </a:lnR>
+                    <a:lnT w="12700" cap="flat" cmpd="sng" algn="ctr">
+                      <a:solidFill>
+                        <a:schemeClr val="tx1"/>
+                      </a:solidFill>
+                      <a:prstDash val="solid"/>
+                      <a:round/>
+                      <a:headEnd type="none" w="med" len="med"/>
+                      <a:tailEnd type="none" w="med" len="med"/>
+                    </a:lnT>
+                    <a:lnB w="12700" cap="flat" cmpd="sng" algn="ctr">
+                      <a:solidFill>
+                        <a:schemeClr val="tx1"/>
+                      </a:solidFill>
+                      <a:prstDash val="solid"/>
+                      <a:round/>
+                      <a:headEnd type="none" w="med" len="med"/>
+                      <a:tailEnd type="none" w="med" len="med"/>
+                    </a:lnB>
+                    <a:solidFill>
+                      <a:srgbClr val="00B0F0"/>
+                    </a:solidFill>
+                  </a:tcPr>
+                </a:tc>
+                <a:tc>
+                  <a:txBody>
+                    <a:bodyPr/>
+                    <a:lstStyle/>
+                    <a:p>
+                      <a:pPr algn="ctr" latinLnBrk="1"/>
+                      <a:endParaRPr lang="ko-KR" altLang="en-US" dirty="0"/>
+                    </a:p>
+                  </a:txBody>
+                  <a:tcPr anchor="ctr">
+                    <a:lnL w="12700" cap="flat" cmpd="sng" algn="ctr">
+                      <a:solidFill>
+                        <a:schemeClr val="tx1"/>
+                      </a:solidFill>
+                      <a:prstDash val="solid"/>
+                      <a:round/>
+                      <a:headEnd type="none" w="med" len="med"/>
+                      <a:tailEnd type="none" w="med" len="med"/>
+                    </a:lnL>
+                    <a:lnR w="28575" cap="flat" cmpd="sng" algn="ctr">
+                      <a:noFill/>
+                      <a:prstDash val="solid"/>
+                      <a:round/>
+                      <a:headEnd type="none" w="med" len="med"/>
+                      <a:tailEnd type="none" w="med" len="med"/>
+                    </a:lnR>
+                    <a:lnT w="12700" cap="flat" cmpd="sng" algn="ctr">
+                      <a:solidFill>
+                        <a:schemeClr val="tx1"/>
+                      </a:solidFill>
+                      <a:prstDash val="solid"/>
+                      <a:round/>
+                      <a:headEnd type="none" w="med" len="med"/>
+                      <a:tailEnd type="none" w="med" len="med"/>
+                    </a:lnT>
+                    <a:lnB w="12700" cap="flat" cmpd="sng" algn="ctr">
+                      <a:solidFill>
+                        <a:schemeClr val="tx1"/>
+                      </a:solidFill>
+                      <a:prstDash val="solid"/>
+                      <a:round/>
+                      <a:headEnd type="none" w="med" len="med"/>
+                      <a:tailEnd type="none" w="med" len="med"/>
+                    </a:lnB>
+                    <a:noFill/>
+                  </a:tcPr>
+                </a:tc>
+                <a:extLst>
+                  <a:ext uri="{0D108BD9-81ED-4DB2-BD59-A6C34878D82A}">
+                    <a16:rowId xmlns:a16="http://schemas.microsoft.com/office/drawing/2014/main" val="216571933"/>
+                  </a:ext>
+                </a:extLst>
+              </a:tr>
+              <a:tr h="460138">
+                <a:tc>
+                  <a:txBody>
+                    <a:bodyPr/>
+                    <a:lstStyle/>
+                    <a:p>
+                      <a:pPr algn="ctr" latinLnBrk="1"/>
+                      <a:r>
+                        <a:rPr lang="ko-KR" altLang="en-US" dirty="0"/>
+                        <a:t>사운드</a:t>
+                      </a:r>
+                    </a:p>
+                  </a:txBody>
+                  <a:tcPr anchor="ctr">
+                    <a:lnL w="28575" cap="flat" cmpd="sng" algn="ctr">
+                      <a:noFill/>
+                      <a:prstDash val="solid"/>
+                      <a:round/>
+                      <a:headEnd type="none" w="med" len="med"/>
+                      <a:tailEnd type="none" w="med" len="med"/>
+                    </a:lnL>
+                    <a:lnR w="12700" cap="flat" cmpd="sng" algn="ctr">
+                      <a:solidFill>
+                        <a:schemeClr val="tx1"/>
+                      </a:solidFill>
+                      <a:prstDash val="solid"/>
+                      <a:round/>
+                      <a:headEnd type="none" w="med" len="med"/>
+                      <a:tailEnd type="none" w="med" len="med"/>
+                    </a:lnR>
+                    <a:lnT w="12700" cap="flat" cmpd="sng" algn="ctr">
+                      <a:solidFill>
+                        <a:schemeClr val="tx1"/>
+                      </a:solidFill>
+                      <a:prstDash val="solid"/>
+                      <a:round/>
+                      <a:headEnd type="none" w="med" len="med"/>
+                      <a:tailEnd type="none" w="med" len="med"/>
+                    </a:lnT>
+                    <a:lnB w="12700" cap="flat" cmpd="sng" algn="ctr">
+                      <a:solidFill>
+                        <a:schemeClr val="tx1"/>
+                      </a:solidFill>
+                      <a:prstDash val="solid"/>
+                      <a:round/>
+                      <a:headEnd type="none" w="med" len="med"/>
+                      <a:tailEnd type="none" w="med" len="med"/>
+                    </a:lnB>
+                    <a:noFill/>
+                  </a:tcPr>
+                </a:tc>
+                <a:tc>
+                  <a:txBody>
+                    <a:bodyPr/>
+                    <a:lstStyle/>
+                    <a:p>
+                      <a:pPr algn="ctr" latinLnBrk="1"/>
+                      <a:endParaRPr lang="ko-KR" altLang="en-US" dirty="0"/>
+                    </a:p>
+                  </a:txBody>
+                  <a:tcPr anchor="ctr">
+                    <a:lnL w="12700" cap="flat" cmpd="sng" algn="ctr">
+                      <a:solidFill>
+                        <a:schemeClr val="tx1"/>
+                      </a:solidFill>
+                      <a:prstDash val="solid"/>
+                      <a:round/>
+                      <a:headEnd type="none" w="med" len="med"/>
+                      <a:tailEnd type="none" w="med" len="med"/>
+                    </a:lnL>
+                    <a:lnR w="12700" cap="flat" cmpd="sng" algn="ctr">
+                      <a:solidFill>
+                        <a:schemeClr val="tx1"/>
+                      </a:solidFill>
+                      <a:prstDash val="solid"/>
+                      <a:round/>
+                      <a:headEnd type="none" w="med" len="med"/>
+                      <a:tailEnd type="none" w="med" len="med"/>
+                    </a:lnR>
+                    <a:lnT w="12700" cap="flat" cmpd="sng" algn="ctr">
+                      <a:solidFill>
+                        <a:schemeClr val="tx1"/>
+                      </a:solidFill>
+                      <a:prstDash val="solid"/>
+                      <a:round/>
+                      <a:headEnd type="none" w="med" len="med"/>
+                      <a:tailEnd type="none" w="med" len="med"/>
+                    </a:lnT>
+                    <a:lnB w="12700" cap="flat" cmpd="sng" algn="ctr">
+                      <a:solidFill>
+                        <a:schemeClr val="tx1"/>
+                      </a:solidFill>
+                      <a:prstDash val="solid"/>
+                      <a:round/>
+                      <a:headEnd type="none" w="med" len="med"/>
+                      <a:tailEnd type="none" w="med" len="med"/>
+                    </a:lnB>
+                    <a:noFill/>
+                  </a:tcPr>
+                </a:tc>
+                <a:tc>
+                  <a:txBody>
+                    <a:bodyPr/>
+                    <a:lstStyle/>
+                    <a:p>
+                      <a:pPr algn="ctr" latinLnBrk="1"/>
+                      <a:endParaRPr lang="ko-KR" altLang="en-US" dirty="0"/>
+                    </a:p>
+                  </a:txBody>
+                  <a:tcPr anchor="ctr">
+                    <a:lnL w="12700" cap="flat" cmpd="sng" algn="ctr">
+                      <a:solidFill>
+                        <a:schemeClr val="tx1"/>
+                      </a:solidFill>
+                      <a:prstDash val="solid"/>
+                      <a:round/>
+                      <a:headEnd type="none" w="med" len="med"/>
+                      <a:tailEnd type="none" w="med" len="med"/>
+                    </a:lnL>
+                    <a:lnR w="12700" cap="flat" cmpd="sng" algn="ctr">
+                      <a:solidFill>
+                        <a:schemeClr val="tx1"/>
+                      </a:solidFill>
+                      <a:prstDash val="solid"/>
+                      <a:round/>
+                      <a:headEnd type="none" w="med" len="med"/>
+                      <a:tailEnd type="none" w="med" len="med"/>
+                    </a:lnR>
+                    <a:lnT w="12700" cap="flat" cmpd="sng" algn="ctr">
+                      <a:solidFill>
+                        <a:schemeClr val="tx1"/>
+                      </a:solidFill>
+                      <a:prstDash val="solid"/>
+                      <a:round/>
+                      <a:headEnd type="none" w="med" len="med"/>
+                      <a:tailEnd type="none" w="med" len="med"/>
+                    </a:lnT>
+                    <a:lnB w="12700" cap="flat" cmpd="sng" algn="ctr">
+                      <a:solidFill>
+                        <a:schemeClr val="tx1"/>
+                      </a:solidFill>
+                      <a:prstDash val="solid"/>
+                      <a:round/>
+                      <a:headEnd type="none" w="med" len="med"/>
+                      <a:tailEnd type="none" w="med" len="med"/>
+                    </a:lnB>
+                    <a:noFill/>
+                  </a:tcPr>
+                </a:tc>
+                <a:tc>
+                  <a:txBody>
+                    <a:bodyPr/>
+                    <a:lstStyle/>
+                    <a:p>
+                      <a:pPr algn="ctr" latinLnBrk="1"/>
+                      <a:endParaRPr lang="ko-KR" altLang="en-US" dirty="0"/>
+                    </a:p>
+                  </a:txBody>
+                  <a:tcPr anchor="ctr">
+                    <a:lnL w="12700" cap="flat" cmpd="sng" algn="ctr">
+                      <a:solidFill>
+                        <a:schemeClr val="tx1"/>
+                      </a:solidFill>
+                      <a:prstDash val="solid"/>
+                      <a:round/>
+                      <a:headEnd type="none" w="med" len="med"/>
+                      <a:tailEnd type="none" w="med" len="med"/>
+                    </a:lnL>
+                    <a:lnR w="12700" cap="flat" cmpd="sng" algn="ctr">
+                      <a:solidFill>
+                        <a:schemeClr val="tx1"/>
+                      </a:solidFill>
+                      <a:prstDash val="solid"/>
+                      <a:round/>
+                      <a:headEnd type="none" w="med" len="med"/>
+                      <a:tailEnd type="none" w="med" len="med"/>
+                    </a:lnR>
+                    <a:lnT w="12700" cap="flat" cmpd="sng" algn="ctr">
+                      <a:solidFill>
+                        <a:schemeClr val="tx1"/>
+                      </a:solidFill>
+                      <a:prstDash val="solid"/>
+                      <a:round/>
+                      <a:headEnd type="none" w="med" len="med"/>
+                      <a:tailEnd type="none" w="med" len="med"/>
+                    </a:lnT>
+                    <a:lnB w="12700" cap="flat" cmpd="sng" algn="ctr">
+                      <a:solidFill>
+                        <a:schemeClr val="tx1"/>
+                      </a:solidFill>
+                      <a:prstDash val="solid"/>
+                      <a:round/>
+                      <a:headEnd type="none" w="med" len="med"/>
+                      <a:tailEnd type="none" w="med" len="med"/>
+                    </a:lnB>
+                    <a:noFill/>
+                  </a:tcPr>
+                </a:tc>
+                <a:tc>
+                  <a:txBody>
+                    <a:bodyPr/>
+                    <a:lstStyle/>
+                    <a:p>
+                      <a:pPr algn="ctr" latinLnBrk="1"/>
+                      <a:endParaRPr lang="ko-KR" altLang="en-US" dirty="0"/>
+                    </a:p>
+                  </a:txBody>
+                  <a:tcPr anchor="ctr">
+                    <a:lnL w="12700" cap="flat" cmpd="sng" algn="ctr">
+                      <a:solidFill>
+                        <a:schemeClr val="tx1"/>
+                      </a:solidFill>
+                      <a:prstDash val="solid"/>
+                      <a:round/>
+                      <a:headEnd type="none" w="med" len="med"/>
+                      <a:tailEnd type="none" w="med" len="med"/>
+                    </a:lnL>
+                    <a:lnR w="28575" cap="flat" cmpd="sng" algn="ctr">
+                      <a:noFill/>
+                      <a:prstDash val="solid"/>
+                      <a:round/>
+                      <a:headEnd type="none" w="med" len="med"/>
+                      <a:tailEnd type="none" w="med" len="med"/>
+                    </a:lnR>
+                    <a:lnT w="12700" cap="flat" cmpd="sng" algn="ctr">
+                      <a:solidFill>
+                        <a:schemeClr val="tx1"/>
+                      </a:solidFill>
+                      <a:prstDash val="solid"/>
+                      <a:round/>
+                      <a:headEnd type="none" w="med" len="med"/>
+                      <a:tailEnd type="none" w="med" len="med"/>
+                    </a:lnT>
+                    <a:lnB w="12700" cap="flat" cmpd="sng" algn="ctr">
+                      <a:solidFill>
+                        <a:schemeClr val="tx1"/>
+                      </a:solidFill>
+                      <a:prstDash val="solid"/>
+                      <a:round/>
+                      <a:headEnd type="none" w="med" len="med"/>
+                      <a:tailEnd type="none" w="med" len="med"/>
+                    </a:lnB>
+                    <a:solidFill>
+                      <a:srgbClr val="00B0F0"/>
+                    </a:solidFill>
+                  </a:tcPr>
+                </a:tc>
+                <a:extLst>
+                  <a:ext uri="{0D108BD9-81ED-4DB2-BD59-A6C34878D82A}">
+                    <a16:rowId xmlns:a16="http://schemas.microsoft.com/office/drawing/2014/main" val="311373930"/>
+                  </a:ext>
+                </a:extLst>
+              </a:tr>
+              <a:tr h="460138">
+                <a:tc>
+                  <a:txBody>
+                    <a:bodyPr/>
+                    <a:lstStyle/>
+                    <a:p>
+                      <a:pPr algn="ctr" latinLnBrk="1"/>
+                      <a:r>
+                        <a:rPr lang="ko-KR" altLang="en-US" dirty="0"/>
+                        <a:t>이펙트</a:t>
+                      </a:r>
+                    </a:p>
+                  </a:txBody>
+                  <a:tcPr anchor="ctr">
+                    <a:lnL w="28575" cap="flat" cmpd="sng" algn="ctr">
+                      <a:noFill/>
+                      <a:prstDash val="solid"/>
+                      <a:round/>
+                      <a:headEnd type="none" w="med" len="med"/>
+                      <a:tailEnd type="none" w="med" len="med"/>
+                    </a:lnL>
+                    <a:lnR w="12700" cap="flat" cmpd="sng" algn="ctr">
+                      <a:solidFill>
+                        <a:schemeClr val="tx1"/>
+                      </a:solidFill>
+                      <a:prstDash val="solid"/>
+                      <a:round/>
+                      <a:headEnd type="none" w="med" len="med"/>
+                      <a:tailEnd type="none" w="med" len="med"/>
+                    </a:lnR>
+                    <a:lnT w="12700" cap="flat" cmpd="sng" algn="ctr">
+                      <a:solidFill>
+                        <a:schemeClr val="tx1"/>
+                      </a:solidFill>
+                      <a:prstDash val="solid"/>
+                      <a:round/>
+                      <a:headEnd type="none" w="med" len="med"/>
+                      <a:tailEnd type="none" w="med" len="med"/>
+                    </a:lnT>
+                    <a:lnB w="12700" cap="flat" cmpd="sng" algn="ctr">
+                      <a:solidFill>
+                        <a:schemeClr val="tx1"/>
+                      </a:solidFill>
+                      <a:prstDash val="solid"/>
+                      <a:round/>
+                      <a:headEnd type="none" w="med" len="med"/>
+                      <a:tailEnd type="none" w="med" len="med"/>
+                    </a:lnB>
+                    <a:noFill/>
+                  </a:tcPr>
+                </a:tc>
+                <a:tc>
+                  <a:txBody>
+                    <a:bodyPr/>
+                    <a:lstStyle/>
+                    <a:p>
+                      <a:pPr algn="ctr" latinLnBrk="1"/>
+                      <a:endParaRPr lang="ko-KR" altLang="en-US" dirty="0"/>
+                    </a:p>
+                  </a:txBody>
+                  <a:tcPr anchor="ctr">
+                    <a:lnL w="12700" cap="flat" cmpd="sng" algn="ctr">
+                      <a:solidFill>
+                        <a:schemeClr val="tx1"/>
+                      </a:solidFill>
+                      <a:prstDash val="solid"/>
+                      <a:round/>
+                      <a:headEnd type="none" w="med" len="med"/>
+                      <a:tailEnd type="none" w="med" len="med"/>
+                    </a:lnL>
+                    <a:lnR w="12700" cap="flat" cmpd="sng" algn="ctr">
+                      <a:solidFill>
+                        <a:schemeClr val="tx1"/>
+                      </a:solidFill>
+                      <a:prstDash val="solid"/>
+                      <a:round/>
+                      <a:headEnd type="none" w="med" len="med"/>
+                      <a:tailEnd type="none" w="med" len="med"/>
+                    </a:lnR>
+                    <a:lnT w="12700" cap="flat" cmpd="sng" algn="ctr">
+                      <a:solidFill>
+                        <a:schemeClr val="tx1"/>
+                      </a:solidFill>
+                      <a:prstDash val="solid"/>
+                      <a:round/>
+                      <a:headEnd type="none" w="med" len="med"/>
+                      <a:tailEnd type="none" w="med" len="med"/>
+                    </a:lnT>
+                    <a:lnB w="12700" cap="flat" cmpd="sng" algn="ctr">
+                      <a:solidFill>
+                        <a:schemeClr val="tx1"/>
+                      </a:solidFill>
+                      <a:prstDash val="solid"/>
+                      <a:round/>
+                      <a:headEnd type="none" w="med" len="med"/>
+                      <a:tailEnd type="none" w="med" len="med"/>
+                    </a:lnB>
+                    <a:noFill/>
+                  </a:tcPr>
+                </a:tc>
+                <a:tc>
+                  <a:txBody>
+                    <a:bodyPr/>
+                    <a:lstStyle/>
+                    <a:p>
+                      <a:pPr algn="ctr" latinLnBrk="1"/>
+                      <a:endParaRPr lang="ko-KR" altLang="en-US" dirty="0"/>
+                    </a:p>
+                  </a:txBody>
+                  <a:tcPr anchor="ctr">
+                    <a:lnL w="12700" cap="flat" cmpd="sng" algn="ctr">
+                      <a:solidFill>
+                        <a:schemeClr val="tx1"/>
+                      </a:solidFill>
+                      <a:prstDash val="solid"/>
+                      <a:round/>
+                      <a:headEnd type="none" w="med" len="med"/>
+                      <a:tailEnd type="none" w="med" len="med"/>
+                    </a:lnL>
+                    <a:lnR w="12700" cap="flat" cmpd="sng" algn="ctr">
+                      <a:solidFill>
+                        <a:schemeClr val="tx1"/>
+                      </a:solidFill>
+                      <a:prstDash val="solid"/>
+                      <a:round/>
+                      <a:headEnd type="none" w="med" len="med"/>
+                      <a:tailEnd type="none" w="med" len="med"/>
+                    </a:lnR>
+                    <a:lnT w="12700" cap="flat" cmpd="sng" algn="ctr">
+                      <a:solidFill>
+                        <a:schemeClr val="tx1"/>
+                      </a:solidFill>
+                      <a:prstDash val="solid"/>
+                      <a:round/>
+                      <a:headEnd type="none" w="med" len="med"/>
+                      <a:tailEnd type="none" w="med" len="med"/>
+                    </a:lnT>
+                    <a:lnB w="12700" cap="flat" cmpd="sng" algn="ctr">
+                      <a:solidFill>
+                        <a:schemeClr val="tx1"/>
+                      </a:solidFill>
+                      <a:prstDash val="solid"/>
+                      <a:round/>
+                      <a:headEnd type="none" w="med" len="med"/>
+                      <a:tailEnd type="none" w="med" len="med"/>
+                    </a:lnB>
+                    <a:noFill/>
+                  </a:tcPr>
+                </a:tc>
+                <a:tc>
+                  <a:txBody>
+                    <a:bodyPr/>
+                    <a:lstStyle/>
+                    <a:p>
+                      <a:pPr algn="ctr" latinLnBrk="1"/>
+                      <a:endParaRPr lang="ko-KR" altLang="en-US" dirty="0"/>
+                    </a:p>
+                  </a:txBody>
+                  <a:tcPr anchor="ctr">
+                    <a:lnL w="12700" cap="flat" cmpd="sng" algn="ctr">
+                      <a:solidFill>
+                        <a:schemeClr val="tx1"/>
+                      </a:solidFill>
+                      <a:prstDash val="solid"/>
+                      <a:round/>
+                      <a:headEnd type="none" w="med" len="med"/>
+                      <a:tailEnd type="none" w="med" len="med"/>
+                    </a:lnL>
+                    <a:lnR w="12700" cap="flat" cmpd="sng" algn="ctr">
+                      <a:solidFill>
+                        <a:schemeClr val="tx1"/>
+                      </a:solidFill>
+                      <a:prstDash val="solid"/>
+                      <a:round/>
+                      <a:headEnd type="none" w="med" len="med"/>
+                      <a:tailEnd type="none" w="med" len="med"/>
+                    </a:lnR>
+                    <a:lnT w="12700" cap="flat" cmpd="sng" algn="ctr">
+                      <a:solidFill>
+                        <a:schemeClr val="tx1"/>
+                      </a:solidFill>
+                      <a:prstDash val="solid"/>
+                      <a:round/>
+                      <a:headEnd type="none" w="med" len="med"/>
+                      <a:tailEnd type="none" w="med" len="med"/>
+                    </a:lnT>
+                    <a:lnB w="12700" cap="flat" cmpd="sng" algn="ctr">
+                      <a:solidFill>
+                        <a:schemeClr val="tx1"/>
+                      </a:solidFill>
+                      <a:prstDash val="solid"/>
+                      <a:round/>
+                      <a:headEnd type="none" w="med" len="med"/>
+                      <a:tailEnd type="none" w="med" len="med"/>
+                    </a:lnB>
+                    <a:noFill/>
+                  </a:tcPr>
+                </a:tc>
+                <a:tc>
+                  <a:txBody>
+                    <a:bodyPr/>
+                    <a:lstStyle/>
+                    <a:p>
+                      <a:pPr algn="ctr" latinLnBrk="1"/>
+                      <a:endParaRPr lang="ko-KR" altLang="en-US" dirty="0"/>
+                    </a:p>
+                  </a:txBody>
+                  <a:tcPr anchor="ctr">
+                    <a:lnL w="12700" cap="flat" cmpd="sng" algn="ctr">
+                      <a:solidFill>
+                        <a:schemeClr val="tx1"/>
+                      </a:solidFill>
+                      <a:prstDash val="solid"/>
+                      <a:round/>
+                      <a:headEnd type="none" w="med" len="med"/>
+                      <a:tailEnd type="none" w="med" len="med"/>
+                    </a:lnL>
+                    <a:lnR w="28575" cap="flat" cmpd="sng" algn="ctr">
+                      <a:noFill/>
+                      <a:prstDash val="solid"/>
+                      <a:round/>
+                      <a:headEnd type="none" w="med" len="med"/>
+                      <a:tailEnd type="none" w="med" len="med"/>
+                    </a:lnR>
+                    <a:lnT w="12700" cap="flat" cmpd="sng" algn="ctr">
+                      <a:solidFill>
+                        <a:schemeClr val="tx1"/>
+                      </a:solidFill>
+                      <a:prstDash val="solid"/>
+                      <a:round/>
+                      <a:headEnd type="none" w="med" len="med"/>
+                      <a:tailEnd type="none" w="med" len="med"/>
+                    </a:lnT>
+                    <a:lnB w="12700" cap="flat" cmpd="sng" algn="ctr">
+                      <a:solidFill>
+                        <a:schemeClr val="tx1"/>
+                      </a:solidFill>
+                      <a:prstDash val="solid"/>
+                      <a:round/>
+                      <a:headEnd type="none" w="med" len="med"/>
+                      <a:tailEnd type="none" w="med" len="med"/>
+                    </a:lnB>
+                    <a:solidFill>
+                      <a:srgbClr val="00B0F0"/>
+                    </a:solidFill>
+                  </a:tcPr>
+                </a:tc>
+                <a:extLst>
+                  <a:ext uri="{0D108BD9-81ED-4DB2-BD59-A6C34878D82A}">
+                    <a16:rowId xmlns:a16="http://schemas.microsoft.com/office/drawing/2014/main" val="371638647"/>
+                  </a:ext>
+                </a:extLst>
+              </a:tr>
+              <a:tr h="460138">
+                <a:tc>
+                  <a:txBody>
+                    <a:bodyPr/>
+                    <a:lstStyle/>
+                    <a:p>
+                      <a:pPr algn="ctr" latinLnBrk="1"/>
+                      <a:r>
+                        <a:rPr lang="ko-KR" altLang="en-US" dirty="0"/>
+                        <a:t>프로토타입</a:t>
+                      </a:r>
+                    </a:p>
+                  </a:txBody>
+                  <a:tcPr anchor="ctr">
+                    <a:lnL w="28575" cap="flat" cmpd="sng" algn="ctr">
+                      <a:noFill/>
+                      <a:prstDash val="solid"/>
+                      <a:round/>
+                      <a:headEnd type="none" w="med" len="med"/>
+                      <a:tailEnd type="none" w="med" len="med"/>
+                    </a:lnL>
+                    <a:lnR w="12700" cap="flat" cmpd="sng" algn="ctr">
+                      <a:solidFill>
+                        <a:schemeClr val="tx1"/>
+                      </a:solidFill>
+                      <a:prstDash val="solid"/>
+                      <a:round/>
+                      <a:headEnd type="none" w="med" len="med"/>
+                      <a:tailEnd type="none" w="med" len="med"/>
+                    </a:lnR>
+                    <a:lnT w="12700" cap="flat" cmpd="sng" algn="ctr">
+                      <a:solidFill>
+                        <a:schemeClr val="tx1"/>
+                      </a:solidFill>
+                      <a:prstDash val="solid"/>
+                      <a:round/>
+                      <a:headEnd type="none" w="med" len="med"/>
+                      <a:tailEnd type="none" w="med" len="med"/>
+                    </a:lnT>
+                    <a:lnB w="12700" cap="flat" cmpd="sng" algn="ctr">
+                      <a:solidFill>
+                        <a:schemeClr val="tx1"/>
+                      </a:solidFill>
+                      <a:prstDash val="solid"/>
+                      <a:round/>
+                      <a:headEnd type="none" w="med" len="med"/>
+                      <a:tailEnd type="none" w="med" len="med"/>
+                    </a:lnB>
+                    <a:noFill/>
+                  </a:tcPr>
+                </a:tc>
+                <a:tc>
+                  <a:txBody>
+                    <a:bodyPr/>
+                    <a:lstStyle/>
+                    <a:p>
+                      <a:pPr algn="ctr" latinLnBrk="1"/>
+                      <a:endParaRPr lang="ko-KR" altLang="en-US" dirty="0"/>
+                    </a:p>
+                  </a:txBody>
+                  <a:tcPr anchor="ctr">
+                    <a:lnL w="12700" cap="flat" cmpd="sng" algn="ctr">
+                      <a:solidFill>
+                        <a:schemeClr val="tx1"/>
+                      </a:solidFill>
+                      <a:prstDash val="solid"/>
+                      <a:round/>
+                      <a:headEnd type="none" w="med" len="med"/>
+                      <a:tailEnd type="none" w="med" len="med"/>
+                    </a:lnL>
+                    <a:lnR w="12700" cap="flat" cmpd="sng" algn="ctr">
+                      <a:solidFill>
+                        <a:schemeClr val="tx1"/>
+                      </a:solidFill>
+                      <a:prstDash val="solid"/>
+                      <a:round/>
+                      <a:headEnd type="none" w="med" len="med"/>
+                      <a:tailEnd type="none" w="med" len="med"/>
+                    </a:lnR>
+                    <a:lnT w="12700" cap="flat" cmpd="sng" algn="ctr">
+                      <a:solidFill>
+                        <a:schemeClr val="tx1"/>
+                      </a:solidFill>
+                      <a:prstDash val="solid"/>
+                      <a:round/>
+                      <a:headEnd type="none" w="med" len="med"/>
+                      <a:tailEnd type="none" w="med" len="med"/>
+                    </a:lnT>
+                    <a:lnB w="12700" cap="flat" cmpd="sng" algn="ctr">
+                      <a:solidFill>
+                        <a:schemeClr val="tx1"/>
+                      </a:solidFill>
+                      <a:prstDash val="solid"/>
+                      <a:round/>
+                      <a:headEnd type="none" w="med" len="med"/>
+                      <a:tailEnd type="none" w="med" len="med"/>
+                    </a:lnB>
+                    <a:noFill/>
+                  </a:tcPr>
+                </a:tc>
+                <a:tc>
+                  <a:txBody>
+                    <a:bodyPr/>
+                    <a:lstStyle/>
+                    <a:p>
+                      <a:pPr algn="ctr" latinLnBrk="1"/>
+                      <a:endParaRPr lang="ko-KR" altLang="en-US" dirty="0"/>
+                    </a:p>
+                  </a:txBody>
+                  <a:tcPr anchor="ctr">
+                    <a:lnL w="12700" cap="flat" cmpd="sng" algn="ctr">
+                      <a:solidFill>
+                        <a:schemeClr val="tx1"/>
+                      </a:solidFill>
+                      <a:prstDash val="solid"/>
+                      <a:round/>
+                      <a:headEnd type="none" w="med" len="med"/>
+                      <a:tailEnd type="none" w="med" len="med"/>
+                    </a:lnL>
+                    <a:lnR w="12700" cap="flat" cmpd="sng" algn="ctr">
+                      <a:solidFill>
+                        <a:schemeClr val="tx1"/>
+                      </a:solidFill>
+                      <a:prstDash val="solid"/>
+                      <a:round/>
+                      <a:headEnd type="none" w="med" len="med"/>
+                      <a:tailEnd type="none" w="med" len="med"/>
+                    </a:lnR>
+                    <a:lnT w="12700" cap="flat" cmpd="sng" algn="ctr">
+                      <a:solidFill>
+                        <a:schemeClr val="tx1"/>
+                      </a:solidFill>
+                      <a:prstDash val="solid"/>
+                      <a:round/>
+                      <a:headEnd type="none" w="med" len="med"/>
+                      <a:tailEnd type="none" w="med" len="med"/>
+                    </a:lnT>
+                    <a:lnB w="12700" cap="flat" cmpd="sng" algn="ctr">
+                      <a:solidFill>
+                        <a:schemeClr val="tx1"/>
+                      </a:solidFill>
+                      <a:prstDash val="solid"/>
+                      <a:round/>
+                      <a:headEnd type="none" w="med" len="med"/>
+                      <a:tailEnd type="none" w="med" len="med"/>
+                    </a:lnB>
+                    <a:noFill/>
+                  </a:tcPr>
+                </a:tc>
+                <a:tc>
+                  <a:txBody>
+                    <a:bodyPr/>
+                    <a:lstStyle/>
+                    <a:p>
+                      <a:pPr algn="ctr" latinLnBrk="1"/>
+                      <a:endParaRPr lang="ko-KR" altLang="en-US" dirty="0"/>
+                    </a:p>
+                  </a:txBody>
+                  <a:tcPr anchor="ctr">
+                    <a:lnL w="12700" cap="flat" cmpd="sng" algn="ctr">
+                      <a:solidFill>
+                        <a:schemeClr val="tx1"/>
+                      </a:solidFill>
+                      <a:prstDash val="solid"/>
+                      <a:round/>
+                      <a:headEnd type="none" w="med" len="med"/>
+                      <a:tailEnd type="none" w="med" len="med"/>
+                    </a:lnL>
+                    <a:lnR w="12700" cap="flat" cmpd="sng" algn="ctr">
+                      <a:solidFill>
+                        <a:schemeClr val="tx1"/>
+                      </a:solidFill>
+                      <a:prstDash val="solid"/>
+                      <a:round/>
+                      <a:headEnd type="none" w="med" len="med"/>
+                      <a:tailEnd type="none" w="med" len="med"/>
+                    </a:lnR>
+                    <a:lnT w="12700" cap="flat" cmpd="sng" algn="ctr">
+                      <a:solidFill>
+                        <a:schemeClr val="tx1"/>
+                      </a:solidFill>
+                      <a:prstDash val="solid"/>
+                      <a:round/>
+                      <a:headEnd type="none" w="med" len="med"/>
+                      <a:tailEnd type="none" w="med" len="med"/>
+                    </a:lnT>
+                    <a:lnB w="12700" cap="flat" cmpd="sng" algn="ctr">
+                      <a:solidFill>
+                        <a:schemeClr val="tx1"/>
+                      </a:solidFill>
+                      <a:prstDash val="solid"/>
+                      <a:round/>
+                      <a:headEnd type="none" w="med" len="med"/>
+                      <a:tailEnd type="none" w="med" len="med"/>
+                    </a:lnB>
+                    <a:solidFill>
+                      <a:srgbClr val="00B0F0"/>
+                    </a:solidFill>
+                  </a:tcPr>
+                </a:tc>
+                <a:tc>
+                  <a:txBody>
+                    <a:bodyPr/>
+                    <a:lstStyle/>
+                    <a:p>
+                      <a:pPr algn="ctr" latinLnBrk="1"/>
+                      <a:endParaRPr lang="ko-KR" altLang="en-US" dirty="0"/>
+                    </a:p>
+                  </a:txBody>
+                  <a:tcPr anchor="ctr">
+                    <a:lnL w="12700" cap="flat" cmpd="sng" algn="ctr">
+                      <a:solidFill>
+                        <a:schemeClr val="tx1"/>
+                      </a:solidFill>
+                      <a:prstDash val="solid"/>
+                      <a:round/>
+                      <a:headEnd type="none" w="med" len="med"/>
+                      <a:tailEnd type="none" w="med" len="med"/>
+                    </a:lnL>
+                    <a:lnR w="28575" cap="flat" cmpd="sng" algn="ctr">
+                      <a:noFill/>
+                      <a:prstDash val="solid"/>
+                      <a:round/>
+                      <a:headEnd type="none" w="med" len="med"/>
+                      <a:tailEnd type="none" w="med" len="med"/>
+                    </a:lnR>
+                    <a:lnT w="12700" cap="flat" cmpd="sng" algn="ctr">
+                      <a:solidFill>
+                        <a:schemeClr val="tx1"/>
+                      </a:solidFill>
+                      <a:prstDash val="solid"/>
+                      <a:round/>
+                      <a:headEnd type="none" w="med" len="med"/>
+                      <a:tailEnd type="none" w="med" len="med"/>
+                    </a:lnT>
+                    <a:lnB w="12700" cap="flat" cmpd="sng" algn="ctr">
+                      <a:solidFill>
+                        <a:schemeClr val="tx1"/>
+                      </a:solidFill>
+                      <a:prstDash val="solid"/>
+                      <a:round/>
+                      <a:headEnd type="none" w="med" len="med"/>
+                      <a:tailEnd type="none" w="med" len="med"/>
+                    </a:lnB>
+                    <a:noFill/>
+                  </a:tcPr>
+                </a:tc>
+                <a:extLst>
+                  <a:ext uri="{0D108BD9-81ED-4DB2-BD59-A6C34878D82A}">
+                    <a16:rowId xmlns:a16="http://schemas.microsoft.com/office/drawing/2014/main" val="2890988130"/>
+                  </a:ext>
+                </a:extLst>
+              </a:tr>
+              <a:tr h="460138">
+                <a:tc>
+                  <a:txBody>
+                    <a:bodyPr/>
+                    <a:lstStyle/>
+                    <a:p>
+                      <a:pPr algn="ctr" latinLnBrk="1"/>
+                      <a:r>
+                        <a:rPr lang="ko-KR" altLang="en-US" dirty="0"/>
+                        <a:t>버그 수정</a:t>
+                      </a:r>
+                    </a:p>
+                  </a:txBody>
+                  <a:tcPr anchor="ctr">
+                    <a:lnL w="28575" cap="flat" cmpd="sng" algn="ctr">
+                      <a:noFill/>
+                      <a:prstDash val="solid"/>
+                      <a:round/>
+                      <a:headEnd type="none" w="med" len="med"/>
+                      <a:tailEnd type="none" w="med" len="med"/>
+                    </a:lnL>
+                    <a:lnR w="12700" cap="flat" cmpd="sng" algn="ctr">
+                      <a:solidFill>
+                        <a:schemeClr val="tx1"/>
+                      </a:solidFill>
+                      <a:prstDash val="solid"/>
+                      <a:round/>
+                      <a:headEnd type="none" w="med" len="med"/>
+                      <a:tailEnd type="none" w="med" len="med"/>
+                    </a:lnR>
+                    <a:lnT w="12700" cap="flat" cmpd="sng" algn="ctr">
+                      <a:solidFill>
+                        <a:schemeClr val="tx1"/>
+                      </a:solidFill>
+                      <a:prstDash val="solid"/>
+                      <a:round/>
+                      <a:headEnd type="none" w="med" len="med"/>
+                      <a:tailEnd type="none" w="med" len="med"/>
+                    </a:lnT>
+                    <a:lnB w="28575" cap="flat" cmpd="sng" algn="ctr">
+                      <a:solidFill>
+                        <a:schemeClr val="tx1"/>
+                      </a:solidFill>
+                      <a:prstDash val="solid"/>
+                      <a:round/>
+                      <a:headEnd type="none" w="med" len="med"/>
+                      <a:tailEnd type="none" w="med" len="med"/>
+                    </a:lnB>
+                    <a:noFill/>
+                  </a:tcPr>
+                </a:tc>
+                <a:tc>
+                  <a:txBody>
+                    <a:bodyPr/>
+                    <a:lstStyle/>
+                    <a:p>
+                      <a:pPr algn="ctr" latinLnBrk="1"/>
+                      <a:endParaRPr lang="ko-KR" altLang="en-US" dirty="0"/>
+                    </a:p>
+                  </a:txBody>
+                  <a:tcPr anchor="ctr">
+                    <a:lnL w="12700" cap="flat" cmpd="sng" algn="ctr">
+                      <a:solidFill>
+                        <a:schemeClr val="tx1"/>
+                      </a:solidFill>
+                      <a:prstDash val="solid"/>
+                      <a:round/>
+                      <a:headEnd type="none" w="med" len="med"/>
+                      <a:tailEnd type="none" w="med" len="med"/>
+                    </a:lnL>
+                    <a:lnR w="12700" cap="flat" cmpd="sng" algn="ctr">
+                      <a:solidFill>
+                        <a:schemeClr val="tx1"/>
+                      </a:solidFill>
+                      <a:prstDash val="solid"/>
+                      <a:round/>
+                      <a:headEnd type="none" w="med" len="med"/>
+                      <a:tailEnd type="none" w="med" len="med"/>
+                    </a:lnR>
+                    <a:lnT w="12700" cap="flat" cmpd="sng" algn="ctr">
+                      <a:solidFill>
+                        <a:schemeClr val="tx1"/>
+                      </a:solidFill>
+                      <a:prstDash val="solid"/>
+                      <a:round/>
+                      <a:headEnd type="none" w="med" len="med"/>
+                      <a:tailEnd type="none" w="med" len="med"/>
+                    </a:lnT>
+                    <a:lnB w="28575" cap="flat" cmpd="sng" algn="ctr">
+                      <a:solidFill>
+                        <a:schemeClr val="tx1"/>
+                      </a:solidFill>
+                      <a:prstDash val="solid"/>
+                      <a:round/>
+                      <a:headEnd type="none" w="med" len="med"/>
+                      <a:tailEnd type="none" w="med" len="med"/>
+                    </a:lnB>
+                    <a:noFill/>
+                  </a:tcPr>
+                </a:tc>
+                <a:tc>
+                  <a:txBody>
+                    <a:bodyPr/>
+                    <a:lstStyle/>
+                    <a:p>
+                      <a:pPr algn="ctr" latinLnBrk="1"/>
+                      <a:endParaRPr lang="ko-KR" altLang="en-US" dirty="0"/>
+                    </a:p>
+                  </a:txBody>
+                  <a:tcPr anchor="ctr">
+                    <a:lnL w="12700" cap="flat" cmpd="sng" algn="ctr">
+                      <a:solidFill>
+                        <a:schemeClr val="tx1"/>
+                      </a:solidFill>
+                      <a:prstDash val="solid"/>
+                      <a:round/>
+                      <a:headEnd type="none" w="med" len="med"/>
+                      <a:tailEnd type="none" w="med" len="med"/>
+                    </a:lnL>
+                    <a:lnR w="12700" cap="flat" cmpd="sng" algn="ctr">
+                      <a:solidFill>
+                        <a:schemeClr val="tx1"/>
+                      </a:solidFill>
+                      <a:prstDash val="solid"/>
+                      <a:round/>
+                      <a:headEnd type="none" w="med" len="med"/>
+                      <a:tailEnd type="none" w="med" len="med"/>
+                    </a:lnR>
+                    <a:lnT w="12700" cap="flat" cmpd="sng" algn="ctr">
+                      <a:solidFill>
+                        <a:schemeClr val="tx1"/>
+                      </a:solidFill>
+                      <a:prstDash val="solid"/>
+                      <a:round/>
+                      <a:headEnd type="none" w="med" len="med"/>
+                      <a:tailEnd type="none" w="med" len="med"/>
+                    </a:lnT>
+                    <a:lnB w="28575" cap="flat" cmpd="sng" algn="ctr">
+                      <a:solidFill>
+                        <a:schemeClr val="tx1"/>
+                      </a:solidFill>
+                      <a:prstDash val="solid"/>
+                      <a:round/>
+                      <a:headEnd type="none" w="med" len="med"/>
+                      <a:tailEnd type="none" w="med" len="med"/>
+                    </a:lnB>
+                    <a:noFill/>
+                  </a:tcPr>
+                </a:tc>
+                <a:tc>
+                  <a:txBody>
+                    <a:bodyPr/>
+                    <a:lstStyle/>
+                    <a:p>
+                      <a:pPr algn="ctr" latinLnBrk="1"/>
+                      <a:endParaRPr lang="ko-KR" altLang="en-US" dirty="0"/>
+                    </a:p>
+                  </a:txBody>
+                  <a:tcPr anchor="ctr">
+                    <a:lnL w="12700" cap="flat" cmpd="sng" algn="ctr">
+                      <a:solidFill>
+                        <a:schemeClr val="tx1"/>
+                      </a:solidFill>
+                      <a:prstDash val="solid"/>
+                      <a:round/>
+                      <a:headEnd type="none" w="med" len="med"/>
+                      <a:tailEnd type="none" w="med" len="med"/>
+                    </a:lnL>
+                    <a:lnR w="12700" cap="flat" cmpd="sng" algn="ctr">
+                      <a:solidFill>
+                        <a:schemeClr val="tx1"/>
+                      </a:solidFill>
+                      <a:prstDash val="solid"/>
+                      <a:round/>
+                      <a:headEnd type="none" w="med" len="med"/>
+                      <a:tailEnd type="none" w="med" len="med"/>
+                    </a:lnR>
+                    <a:lnT w="12700" cap="flat" cmpd="sng" algn="ctr">
+                      <a:solidFill>
+                        <a:schemeClr val="tx1"/>
+                      </a:solidFill>
+                      <a:prstDash val="solid"/>
+                      <a:round/>
+                      <a:headEnd type="none" w="med" len="med"/>
+                      <a:tailEnd type="none" w="med" len="med"/>
+                    </a:lnT>
+                    <a:lnB w="28575" cap="flat" cmpd="sng" algn="ctr">
+                      <a:solidFill>
+                        <a:schemeClr val="tx1"/>
+                      </a:solidFill>
+                      <a:prstDash val="solid"/>
+                      <a:round/>
+                      <a:headEnd type="none" w="med" len="med"/>
+                      <a:tailEnd type="none" w="med" len="med"/>
+                    </a:lnB>
+                    <a:noFill/>
+                  </a:tcPr>
+                </a:tc>
+                <a:tc>
+                  <a:txBody>
+                    <a:bodyPr/>
+                    <a:lstStyle/>
+                    <a:p>
+                      <a:pPr algn="ctr" latinLnBrk="1"/>
+                      <a:endParaRPr lang="ko-KR" altLang="en-US" dirty="0"/>
+                    </a:p>
+                  </a:txBody>
+                  <a:tcPr anchor="ctr">
+                    <a:lnL w="12700" cap="flat" cmpd="sng" algn="ctr">
+                      <a:solidFill>
+                        <a:schemeClr val="tx1"/>
+                      </a:solidFill>
+                      <a:prstDash val="solid"/>
+                      <a:round/>
+                      <a:headEnd type="none" w="med" len="med"/>
+                      <a:tailEnd type="none" w="med" len="med"/>
+                    </a:lnL>
+                    <a:lnR w="28575" cap="flat" cmpd="sng" algn="ctr">
+                      <a:noFill/>
+                      <a:prstDash val="solid"/>
+                      <a:round/>
+                      <a:headEnd type="none" w="med" len="med"/>
+                      <a:tailEnd type="none" w="med" len="med"/>
+                    </a:lnR>
+                    <a:lnT w="12700" cap="flat" cmpd="sng" algn="ctr">
+                      <a:solidFill>
+                        <a:schemeClr val="tx1"/>
+                      </a:solidFill>
+                      <a:prstDash val="solid"/>
+                      <a:round/>
+                      <a:headEnd type="none" w="med" len="med"/>
+                      <a:tailEnd type="none" w="med" len="med"/>
+                    </a:lnT>
+                    <a:lnB w="28575" cap="flat" cmpd="sng" algn="ctr">
+                      <a:solidFill>
+                        <a:schemeClr val="tx1"/>
+                      </a:solidFill>
+                      <a:prstDash val="solid"/>
+                      <a:round/>
+                      <a:headEnd type="none" w="med" len="med"/>
+                      <a:tailEnd type="none" w="med" len="med"/>
+                    </a:lnB>
+                    <a:solidFill>
+                      <a:srgbClr val="00B0F0"/>
+                    </a:solidFill>
+                  </a:tcPr>
+                </a:tc>
+                <a:extLst>
+                  <a:ext uri="{0D108BD9-81ED-4DB2-BD59-A6C34878D82A}">
+                    <a16:rowId xmlns:a16="http://schemas.microsoft.com/office/drawing/2014/main" val="669424976"/>
+                  </a:ext>
+                </a:extLst>
+              </a:tr>
+            </a:tbl>
+          </a:graphicData>
+        </a:graphic>
+      </p:graphicFrame>
+    </p:spTree>
+    <p:extLst>
+      <p:ext uri="{BB962C8B-B14F-4D97-AF65-F5344CB8AC3E}">
+        <p14:creationId xmlns:p14="http://schemas.microsoft.com/office/powerpoint/2010/main" val="1287711800"/>
+      </p:ext>
+    </p:extLst>
+  </p:cSld>
+  <p:clrMapOvr>
+    <a:masterClrMapping/>
+  </p:clrMapOvr>
+</p:sld>
+</file>
+
+<file path=ppt/slides/slide23.xml><?xml version="1.0" encoding="utf-8"?>
+<p:sld xmlns:a="http://schemas.openxmlformats.org/drawingml/2006/main" xmlns:r="http://schemas.openxmlformats.org/officeDocument/2006/relationships" xmlns:p="http://schemas.openxmlformats.org/presentationml/2006/main">
+  <p:cSld>
+    <p:bg>
+      <p:bgPr>
+        <a:solidFill>
           <a:srgbClr val="002942"/>
         </a:solidFill>
         <a:effectLst/>
@@ -17055,10 +20426,10 @@
       </p:sp>
       <p:sp>
         <p:nvSpPr>
-          <p:cNvPr id="5" name="TextBox 4">
-            <a:extLst>
-              <a:ext uri="{FF2B5EF4-FFF2-40B4-BE49-F238E27FC236}">
-                <a16:creationId xmlns:a16="http://schemas.microsoft.com/office/drawing/2014/main" id="{0EF96AE0-B97C-4038-B7B6-EB0CB77D1993}"/>
+          <p:cNvPr id="4" name="TextBox 3">
+            <a:extLst>
+              <a:ext uri="{FF2B5EF4-FFF2-40B4-BE49-F238E27FC236}">
+                <a16:creationId xmlns:a16="http://schemas.microsoft.com/office/drawing/2014/main" id="{8D123C6F-78F7-48C6-926B-53660B4239A2}"/>
               </a:ext>
             </a:extLst>
           </p:cNvPr>
